--- a/databases/presentation/mssql/07.Indexes.pptx
+++ b/databases/presentation/mssql/07.Indexes.pptx
@@ -11,7 +11,7 @@
     <p:sldMasterId id="2147483805" r:id="rId10"/>
   </p:sldMasterIdLst>
   <p:notesMasterIdLst>
-    <p:notesMasterId r:id="rId54"/>
+    <p:notesMasterId r:id="rId56"/>
   </p:notesMasterIdLst>
   <p:sldIdLst>
     <p:sldId id="293" r:id="rId11"/>
@@ -45,18 +45,20 @@
     <p:sldId id="496" r:id="rId39"/>
     <p:sldId id="497" r:id="rId40"/>
     <p:sldId id="498" r:id="rId41"/>
-    <p:sldId id="499" r:id="rId42"/>
-    <p:sldId id="501" r:id="rId43"/>
-    <p:sldId id="500" r:id="rId44"/>
-    <p:sldId id="502" r:id="rId45"/>
-    <p:sldId id="503" r:id="rId46"/>
-    <p:sldId id="504" r:id="rId47"/>
-    <p:sldId id="505" r:id="rId48"/>
-    <p:sldId id="506" r:id="rId49"/>
-    <p:sldId id="507" r:id="rId50"/>
-    <p:sldId id="508" r:id="rId51"/>
-    <p:sldId id="509" r:id="rId52"/>
-    <p:sldId id="510" r:id="rId53"/>
+    <p:sldId id="511" r:id="rId42"/>
+    <p:sldId id="512" r:id="rId43"/>
+    <p:sldId id="499" r:id="rId44"/>
+    <p:sldId id="501" r:id="rId45"/>
+    <p:sldId id="500" r:id="rId46"/>
+    <p:sldId id="502" r:id="rId47"/>
+    <p:sldId id="503" r:id="rId48"/>
+    <p:sldId id="504" r:id="rId49"/>
+    <p:sldId id="505" r:id="rId50"/>
+    <p:sldId id="506" r:id="rId51"/>
+    <p:sldId id="507" r:id="rId52"/>
+    <p:sldId id="508" r:id="rId53"/>
+    <p:sldId id="509" r:id="rId54"/>
+    <p:sldId id="510" r:id="rId55"/>
   </p:sldIdLst>
   <p:sldSz cx="9144000" cy="6858000" type="screen4x3"/>
   <p:notesSz cx="7010400" cy="9296400"/>
@@ -1575,7 +1577,7 @@
               <a:pPr>
                 <a:defRPr/>
               </a:pPr>
-              <a:t>34</a:t>
+              <a:t>36</a:t>
             </a:fld>
             <a:endParaRPr lang="en-US" dirty="0"/>
           </a:p>
@@ -41066,11 +41068,7 @@
             <a:pPr marL="685800" indent="-685800"/>
             <a:r>
               <a:rPr lang="en-US" dirty="0" smtClean="0"/>
-              <a:t>07 </a:t>
-            </a:r>
-            <a:r>
-              <a:rPr lang="en-US" dirty="0" smtClean="0"/>
-              <a:t>| </a:t>
+              <a:t>07 | </a:t>
             </a:r>
             <a:r>
               <a:rPr lang="ru-RU" dirty="0" smtClean="0"/>
@@ -44660,7 +44658,7 @@
         <p:spPr>
           <a:xfrm>
             <a:off x="460374" y="636588"/>
-            <a:ext cx="8328025" cy="4386262"/>
+            <a:ext cx="8328025" cy="5891212"/>
           </a:xfrm>
         </p:spPr>
         <p:txBody>
@@ -44717,204 +44715,98 @@
           </a:p>
           <a:p>
             <a:r>
-              <a:rPr lang="en-US" sz="1200" b="1" dirty="0" smtClean="0"/>
+              <a:rPr lang="en-US" b="1" dirty="0" smtClean="0"/>
               <a:t>o</a:t>
             </a:r>
             <a:r>
-              <a:rPr lang="ru-RU" sz="1200" b="1" dirty="0" err="1" smtClean="0"/>
+              <a:rPr lang="ru-RU" b="1" dirty="0" err="1" smtClean="0"/>
               <a:t>bject</a:t>
             </a:r>
             <a:r>
-              <a:rPr lang="ru-RU" sz="1200" dirty="0" smtClean="0"/>
+              <a:rPr lang="ru-RU" dirty="0" smtClean="0"/>
               <a:t> </a:t>
             </a:r>
             <a:r>
-              <a:rPr lang="ru-RU" sz="1200" dirty="0"/>
+              <a:rPr lang="ru-RU" dirty="0"/>
               <a:t>– таблица или представление</a:t>
             </a:r>
           </a:p>
           <a:p>
             <a:r>
-              <a:rPr lang="ru-RU" sz="1200" b="1" dirty="0"/>
+              <a:rPr lang="ru-RU" b="1" dirty="0"/>
               <a:t>ASC | DESC </a:t>
             </a:r>
             <a:r>
-              <a:rPr lang="ru-RU" sz="1200" dirty="0"/>
+              <a:rPr lang="ru-RU" dirty="0"/>
               <a:t>– порядок сортировки, можно не указываться для индекса, </a:t>
             </a:r>
             <a:r>
-              <a:rPr lang="ru-RU" sz="1200" dirty="0" smtClean="0"/>
+              <a:rPr lang="ru-RU" dirty="0" smtClean="0"/>
               <a:t>основанного </a:t>
             </a:r>
             <a:r>
-              <a:rPr lang="ru-RU" sz="1200" dirty="0"/>
+              <a:rPr lang="ru-RU" dirty="0"/>
               <a:t>на 1 столбце. В этом случае скорость работы не зависит от порядка сортировки. Можно использовать, если используется несколько столбцов с </a:t>
             </a:r>
             <a:r>
-              <a:rPr lang="ru-RU" sz="1200" dirty="0" smtClean="0"/>
+              <a:rPr lang="ru-RU" dirty="0" smtClean="0"/>
               <a:t>противоположным </a:t>
             </a:r>
             <a:r>
-              <a:rPr lang="ru-RU" sz="1200" dirty="0"/>
+              <a:rPr lang="ru-RU" dirty="0"/>
               <a:t>направлением сортировки.</a:t>
             </a:r>
           </a:p>
           <a:p>
             <a:r>
-              <a:rPr lang="ru-RU" sz="1200" b="1" dirty="0"/>
+              <a:rPr lang="ru-RU" b="1" dirty="0"/>
               <a:t>INCLUDE</a:t>
             </a:r>
             <a:r>
-              <a:rPr lang="ru-RU" sz="1200" dirty="0"/>
+              <a:rPr lang="ru-RU" dirty="0"/>
               <a:t> – значения этих столбцов сохраняются на листовом уровне. Имеет смысл использовать только для </a:t>
             </a:r>
             <a:r>
-              <a:rPr lang="ru-RU" sz="1200" dirty="0" err="1"/>
+              <a:rPr lang="ru-RU" dirty="0" err="1"/>
               <a:t>некластерных</a:t>
             </a:r>
             <a:r>
-              <a:rPr lang="ru-RU" sz="1200" dirty="0"/>
+              <a:rPr lang="ru-RU" dirty="0"/>
               <a:t> индексов. В этом случае, если требуются данные, включенные в INCLUDE, не требуется выполнять дополни-тельных действий для перехода к этим данным</a:t>
             </a:r>
             <a:r>
-              <a:rPr lang="ru-RU" sz="1200" dirty="0" smtClean="0"/>
+              <a:rPr lang="ru-RU" dirty="0" smtClean="0"/>
               <a:t>.</a:t>
             </a:r>
-            <a:endParaRPr lang="en-US" sz="1200" dirty="0" smtClean="0"/>
-          </a:p>
-          <a:p>
-            <a:r>
-              <a:rPr lang="ru-RU" sz="1200" u="sng" dirty="0"/>
-              <a:t>Опции</a:t>
-            </a:r>
-            <a:r>
-              <a:rPr lang="ru-RU" sz="1200" dirty="0"/>
-              <a:t>:</a:t>
-            </a:r>
-          </a:p>
-          <a:p>
-            <a:r>
-              <a:rPr lang="ru-RU" sz="1200" b="1" dirty="0"/>
-              <a:t>FILLFACTOR</a:t>
-            </a:r>
-            <a:r>
-              <a:rPr lang="ru-RU" sz="1200" dirty="0"/>
-              <a:t>  – отвечает за заполнение страниц (измеряется в %). Актуально  на момент создания индекса. По умолчанию страницы заполняются полностью, остается место еще для 2 записей. Если часто выполняется изменение данных, надо задавать низкое заполнение, если часто используется выборка надо </a:t>
-            </a:r>
-            <a:r>
-              <a:rPr lang="ru-RU" sz="1200" dirty="0" smtClean="0"/>
-              <a:t>задавать </a:t>
-            </a:r>
-            <a:r>
-              <a:rPr lang="ru-RU" sz="1200" dirty="0"/>
-              <a:t>высокое заполнение.</a:t>
-            </a:r>
-          </a:p>
-          <a:p>
-            <a:r>
-              <a:rPr lang="ru-RU" sz="1200" b="1" dirty="0"/>
-              <a:t>IGNORE_DUP_KEY</a:t>
-            </a:r>
-            <a:r>
-              <a:rPr lang="ru-RU" sz="1200" dirty="0"/>
-              <a:t> – при попытке вставить дублирующего значения в </a:t>
-            </a:r>
-            <a:r>
-              <a:rPr lang="ru-RU" sz="1200" dirty="0" smtClean="0"/>
-              <a:t>уникальный </a:t>
-            </a:r>
-            <a:r>
-              <a:rPr lang="ru-RU" sz="1200" dirty="0"/>
-              <a:t>индекс возникает не критическая ошибка, вызывающая откат </a:t>
-            </a:r>
-            <a:r>
-              <a:rPr lang="ru-RU" sz="1200" dirty="0" smtClean="0"/>
-              <a:t>транзакции</a:t>
-            </a:r>
-            <a:r>
-              <a:rPr lang="ru-RU" sz="1200" dirty="0"/>
-              <a:t>, а предупреждение и транзакция продолжается.</a:t>
-            </a:r>
-          </a:p>
-          <a:p>
-            <a:r>
-              <a:rPr lang="ru-RU" sz="1200" b="1" dirty="0"/>
-              <a:t>DROP_EXISTING</a:t>
-            </a:r>
-            <a:r>
-              <a:rPr lang="ru-RU" sz="1200" dirty="0"/>
-              <a:t> - существующий индекс с таким же именем будет удален. Используется для перестройки индекса. Если перестраивается кластерный </a:t>
-            </a:r>
-            <a:r>
-              <a:rPr lang="ru-RU" sz="1200" dirty="0" smtClean="0"/>
-              <a:t>индекс </a:t>
-            </a:r>
-            <a:r>
-              <a:rPr lang="ru-RU" sz="1200" dirty="0"/>
-              <a:t>и новый является точным дубликатом существующего индекса, то </a:t>
-            </a:r>
-            <a:r>
-              <a:rPr lang="ru-RU" sz="1200" dirty="0" err="1" smtClean="0"/>
-              <a:t>некластерные</a:t>
-            </a:r>
-            <a:r>
-              <a:rPr lang="ru-RU" sz="1200" dirty="0" smtClean="0"/>
+            <a:endParaRPr lang="en-US" dirty="0" smtClean="0"/>
+          </a:p>
+          <a:p>
+            <a:r>
+              <a:rPr lang="ru-RU" b="1" dirty="0" smtClean="0"/>
+              <a:t>ON</a:t>
+            </a:r>
+            <a:r>
+              <a:rPr lang="ru-RU" dirty="0" smtClean="0"/>
               <a:t> </a:t>
             </a:r>
             <a:r>
-              <a:rPr lang="ru-RU" sz="1200" dirty="0"/>
-              <a:t>индексы не будут изменяться. При удалении и повторном создании не-кластерные индексы перестраиваются дважды.</a:t>
-            </a:r>
-          </a:p>
-          <a:p>
-            <a:r>
-              <a:rPr lang="ru-RU" sz="1200" b="1" dirty="0"/>
-              <a:t>STATISTICSNORECOMPUTE</a:t>
-            </a:r>
-            <a:r>
-              <a:rPr lang="ru-RU" sz="1200" dirty="0"/>
-              <a:t> – отмена автоматического обновления статистики (лучше не отменять). Вручную статистка обновляется командой: </a:t>
-            </a:r>
-            <a:r>
-              <a:rPr lang="ru-RU" sz="1200" dirty="0" err="1"/>
-              <a:t>update</a:t>
-            </a:r>
-            <a:r>
-              <a:rPr lang="ru-RU" sz="1200" dirty="0"/>
-              <a:t> </a:t>
-            </a:r>
-            <a:r>
-              <a:rPr lang="ru-RU" sz="1200" dirty="0" err="1"/>
-              <a:t>statistics</a:t>
-            </a:r>
-            <a:r>
-              <a:rPr lang="ru-RU" sz="1200" dirty="0"/>
-              <a:t>.</a:t>
-            </a:r>
-          </a:p>
-          <a:p>
-            <a:r>
-              <a:rPr lang="ru-RU" sz="1200" b="1" dirty="0"/>
-              <a:t>ON</a:t>
-            </a:r>
-            <a:r>
-              <a:rPr lang="ru-RU" sz="1200" dirty="0"/>
-              <a:t> &lt;</a:t>
-            </a:r>
-            <a:r>
-              <a:rPr lang="ru-RU" sz="1200" dirty="0" err="1"/>
+              <a:rPr lang="ru-RU" dirty="0"/>
+              <a:t>&lt;</a:t>
+            </a:r>
+            <a:r>
+              <a:rPr lang="ru-RU" dirty="0" err="1"/>
               <a:t>filegroup</a:t>
             </a:r>
             <a:r>
-              <a:rPr lang="ru-RU" sz="1200" dirty="0"/>
+              <a:rPr lang="ru-RU" dirty="0"/>
               <a:t>&gt; - можно задать файл, в котором будет храниться индекс. Например, для ускорения работы, если таблица и индекс находятся на </a:t>
             </a:r>
             <a:r>
-              <a:rPr lang="ru-RU" sz="1200" dirty="0" smtClean="0"/>
+              <a:rPr lang="ru-RU" dirty="0" smtClean="0"/>
               <a:t>различных </a:t>
             </a:r>
             <a:r>
-              <a:rPr lang="ru-RU" sz="1200" dirty="0"/>
+              <a:rPr lang="ru-RU" dirty="0"/>
               <a:t>дисках, тогда операции ввода/вывода с индексом не влияют на операции с данными.</a:t>
             </a:r>
           </a:p>
@@ -46099,6 +45991,314 @@
       </p:grpSpPr>
       <p:sp>
         <p:nvSpPr>
+          <p:cNvPr id="2" name="Заголовок 1"/>
+          <p:cNvSpPr>
+            <a:spLocks noGrp="1"/>
+          </p:cNvSpPr>
+          <p:nvPr>
+            <p:ph type="title"/>
+          </p:nvPr>
+        </p:nvSpPr>
+        <p:spPr/>
+        <p:txBody>
+          <a:bodyPr/>
+          <a:lstStyle/>
+          <a:p>
+            <a:r>
+              <a:rPr lang="ru-RU" dirty="0"/>
+              <a:t>Создавайте индексы на следующие поля: </a:t>
+            </a:r>
+          </a:p>
+        </p:txBody>
+      </p:sp>
+      <p:sp>
+        <p:nvSpPr>
+          <p:cNvPr id="3" name="Объект 2"/>
+          <p:cNvSpPr>
+            <a:spLocks noGrp="1"/>
+          </p:cNvSpPr>
+          <p:nvPr>
+            <p:ph idx="1"/>
+          </p:nvPr>
+        </p:nvSpPr>
+        <p:spPr/>
+        <p:txBody>
+          <a:bodyPr/>
+          <a:lstStyle/>
+          <a:p>
+            <a:pPr marL="285750" indent="-285750">
+              <a:buFont typeface="Arial" panose="020B0604020202020204" pitchFamily="34" charset="0"/>
+              <a:buChar char="•"/>
+            </a:pPr>
+            <a:r>
+              <a:rPr lang="ru-RU" dirty="0"/>
+              <a:t>первичный ключ, такой индекс создается автоматически; </a:t>
+            </a:r>
+          </a:p>
+          <a:p>
+            <a:pPr marL="285750" indent="-285750">
+              <a:buFont typeface="Arial" panose="020B0604020202020204" pitchFamily="34" charset="0"/>
+              <a:buChar char="•"/>
+            </a:pPr>
+            <a:r>
+              <a:rPr lang="ru-RU" dirty="0"/>
+              <a:t>внешний ключ или поле, которое часто используется для связи таблиц. На внешние ключи индексы автоматически не создаются, но если в связанных таблицах находится много строк, то индекс реально может повысить производительность. Если в основной таблице много строк, а в связанной не более 100, можно обойтись и без индекса; </a:t>
+            </a:r>
+          </a:p>
+          <a:p>
+            <a:pPr marL="285750" indent="-285750">
+              <a:buFont typeface="Arial" panose="020B0604020202020204" pitchFamily="34" charset="0"/>
+              <a:buChar char="•"/>
+            </a:pPr>
+            <a:r>
+              <a:rPr lang="ru-RU" dirty="0"/>
+              <a:t>поле, используемое для поиска ряда значений; </a:t>
+            </a:r>
+          </a:p>
+          <a:p>
+            <a:pPr marL="285750" indent="-285750">
+              <a:buFont typeface="Arial" panose="020B0604020202020204" pitchFamily="34" charset="0"/>
+              <a:buChar char="•"/>
+            </a:pPr>
+            <a:r>
+              <a:rPr lang="ru-RU" dirty="0"/>
+              <a:t>поле, по которому сортируются данные; </a:t>
+            </a:r>
+          </a:p>
+          <a:p>
+            <a:pPr marL="285750" indent="-285750">
+              <a:buFont typeface="Arial" panose="020B0604020202020204" pitchFamily="34" charset="0"/>
+              <a:buChar char="•"/>
+            </a:pPr>
+            <a:r>
+              <a:rPr lang="ru-RU" dirty="0"/>
+              <a:t>поля, которые группируются во время агрегации (оператор GROUP BY); </a:t>
+            </a:r>
+          </a:p>
+          <a:p>
+            <a:pPr marL="285750" indent="-285750">
+              <a:buFont typeface="Arial" panose="020B0604020202020204" pitchFamily="34" charset="0"/>
+              <a:buChar char="•"/>
+            </a:pPr>
+            <a:r>
+              <a:rPr lang="ru-RU" dirty="0"/>
+              <a:t>поле, которое часто используется в запросах SELECT. </a:t>
+            </a:r>
+          </a:p>
+          <a:p>
+            <a:endParaRPr lang="ru-RU" dirty="0"/>
+          </a:p>
+        </p:txBody>
+      </p:sp>
+    </p:spTree>
+    <p:extLst>
+      <p:ext uri="{BB962C8B-B14F-4D97-AF65-F5344CB8AC3E}">
+        <p14:creationId xmlns:p14="http://schemas.microsoft.com/office/powerpoint/2010/main" val="2570521182"/>
+      </p:ext>
+    </p:extLst>
+  </p:cSld>
+  <p:clrMapOvr>
+    <a:masterClrMapping/>
+  </p:clrMapOvr>
+</p:sld>
+</file>
+
+<file path=ppt/slides/slide33.xml><?xml version="1.0" encoding="utf-8"?>
+<p:sld xmlns:a="http://schemas.openxmlformats.org/drawingml/2006/main" xmlns:r="http://schemas.openxmlformats.org/officeDocument/2006/relationships" xmlns:p="http://schemas.openxmlformats.org/presentationml/2006/main">
+  <p:cSld>
+    <p:spTree>
+      <p:nvGrpSpPr>
+        <p:cNvPr id="1" name=""/>
+        <p:cNvGrpSpPr/>
+        <p:nvPr/>
+      </p:nvGrpSpPr>
+      <p:grpSpPr>
+        <a:xfrm>
+          <a:off x="0" y="0"/>
+          <a:ext cx="0" cy="0"/>
+          <a:chOff x="0" y="0"/>
+          <a:chExt cx="0" cy="0"/>
+        </a:xfrm>
+      </p:grpSpPr>
+      <p:sp>
+        <p:nvSpPr>
+          <p:cNvPr id="2" name="Заголовок 1"/>
+          <p:cNvSpPr>
+            <a:spLocks noGrp="1"/>
+          </p:cNvSpPr>
+          <p:nvPr>
+            <p:ph type="title"/>
+          </p:nvPr>
+        </p:nvSpPr>
+        <p:spPr/>
+        <p:txBody>
+          <a:bodyPr/>
+          <a:lstStyle/>
+          <a:p>
+            <a:r>
+              <a:rPr lang="ru-RU" dirty="0"/>
+              <a:t>Не стоит создавать индексы на </a:t>
+            </a:r>
+            <a:r>
+              <a:rPr lang="ru-RU" dirty="0" smtClean="0"/>
+              <a:t>поля: </a:t>
+            </a:r>
+            <a:endParaRPr lang="ru-RU" dirty="0"/>
+          </a:p>
+        </p:txBody>
+      </p:sp>
+      <p:sp>
+        <p:nvSpPr>
+          <p:cNvPr id="3" name="Объект 2"/>
+          <p:cNvSpPr>
+            <a:spLocks noGrp="1"/>
+          </p:cNvSpPr>
+          <p:nvPr>
+            <p:ph idx="1"/>
+          </p:nvPr>
+        </p:nvSpPr>
+        <p:spPr/>
+        <p:txBody>
+          <a:bodyPr/>
+          <a:lstStyle/>
+          <a:p>
+            <a:endParaRPr lang="ru-RU" dirty="0"/>
+          </a:p>
+          <a:p>
+            <a:pPr marL="285750" indent="-285750">
+              <a:buFont typeface="Arial" panose="020B0604020202020204" pitchFamily="34" charset="0"/>
+              <a:buChar char="•"/>
+            </a:pPr>
+            <a:r>
+              <a:rPr lang="ru-RU" dirty="0" smtClean="0"/>
+              <a:t>редко </a:t>
+            </a:r>
+            <a:r>
+              <a:rPr lang="ru-RU" dirty="0"/>
+              <a:t>используемые в запросе;</a:t>
+            </a:r>
+          </a:p>
+          <a:p>
+            <a:pPr marL="285750" indent="-285750">
+              <a:buFont typeface="Arial" panose="020B0604020202020204" pitchFamily="34" charset="0"/>
+              <a:buChar char="•"/>
+            </a:pPr>
+            <a:r>
+              <a:rPr lang="ru-RU" dirty="0" smtClean="0"/>
+              <a:t>содержащие </a:t>
+            </a:r>
+            <a:r>
+              <a:rPr lang="ru-RU" dirty="0"/>
+              <a:t>несколько уникальных значений, например колонки, содержащие только значения мужской или женский пол. Такой индекс будет только тормозить систему;</a:t>
+            </a:r>
+          </a:p>
+          <a:p>
+            <a:pPr marL="285750" indent="-285750">
+              <a:buFont typeface="Arial" panose="020B0604020202020204" pitchFamily="34" charset="0"/>
+              <a:buChar char="•"/>
+            </a:pPr>
+            <a:r>
+              <a:rPr lang="ru-RU" dirty="0" smtClean="0"/>
+              <a:t>объявленные </a:t>
+            </a:r>
+            <a:r>
+              <a:rPr lang="ru-RU" dirty="0"/>
+              <a:t>как </a:t>
+            </a:r>
+            <a:r>
+              <a:rPr lang="ru-RU" dirty="0" err="1"/>
+              <a:t>text</a:t>
+            </a:r>
+            <a:r>
+              <a:rPr lang="ru-RU" dirty="0"/>
+              <a:t>, </a:t>
+            </a:r>
+            <a:r>
+              <a:rPr lang="ru-RU" dirty="0" err="1"/>
+              <a:t>ntext</a:t>
+            </a:r>
+            <a:r>
+              <a:rPr lang="ru-RU" dirty="0"/>
+              <a:t> или </a:t>
+            </a:r>
+            <a:r>
+              <a:rPr lang="ru-RU" dirty="0" err="1"/>
+              <a:t>image</a:t>
+            </a:r>
+            <a:r>
+              <a:rPr lang="ru-RU" dirty="0"/>
+              <a:t> типы данных. Колонки с этими типами данных не могут быть проиндексированы.</a:t>
+            </a:r>
+          </a:p>
+          <a:p>
+            <a:endParaRPr lang="ru-RU" dirty="0"/>
+          </a:p>
+        </p:txBody>
+      </p:sp>
+      <p:sp>
+        <p:nvSpPr>
+          <p:cNvPr id="4" name="Прямоугольник 3"/>
+          <p:cNvSpPr/>
+          <p:nvPr/>
+        </p:nvSpPr>
+        <p:spPr>
+          <a:xfrm>
+            <a:off x="746919" y="3874949"/>
+            <a:ext cx="7200900" cy="1754326"/>
+          </a:xfrm>
+          <a:prstGeom prst="rect">
+            <a:avLst/>
+          </a:prstGeom>
+        </p:spPr>
+        <p:txBody>
+          <a:bodyPr wrap="square">
+            <a:spAutoFit/>
+          </a:bodyPr>
+          <a:lstStyle/>
+          <a:p>
+            <a:r>
+              <a:rPr lang="ru-RU" dirty="0" smtClean="0"/>
+              <a:t>Нужно создавать </a:t>
+            </a:r>
+            <a:r>
+              <a:rPr lang="ru-RU" dirty="0"/>
+              <a:t>только самые необходимые индексы, потому что каждый лишний индекс может серьезно ударить по производительности во время добавления новых записей. Это особенно становится заметным, при массовой загрузке данных. </a:t>
+            </a:r>
+          </a:p>
+        </p:txBody>
+      </p:sp>
+    </p:spTree>
+    <p:extLst>
+      <p:ext uri="{BB962C8B-B14F-4D97-AF65-F5344CB8AC3E}">
+        <p14:creationId xmlns:p14="http://schemas.microsoft.com/office/powerpoint/2010/main" val="463352501"/>
+      </p:ext>
+    </p:extLst>
+  </p:cSld>
+  <p:clrMapOvr>
+    <a:masterClrMapping/>
+  </p:clrMapOvr>
+</p:sld>
+</file>
+
+<file path=ppt/slides/slide34.xml><?xml version="1.0" encoding="utf-8"?>
+<p:sld xmlns:a="http://schemas.openxmlformats.org/drawingml/2006/main" xmlns:r="http://schemas.openxmlformats.org/officeDocument/2006/relationships" xmlns:p="http://schemas.openxmlformats.org/presentationml/2006/main">
+  <p:cSld>
+    <p:spTree>
+      <p:nvGrpSpPr>
+        <p:cNvPr id="1" name=""/>
+        <p:cNvGrpSpPr/>
+        <p:nvPr/>
+      </p:nvGrpSpPr>
+      <p:grpSpPr>
+        <a:xfrm>
+          <a:off x="0" y="0"/>
+          <a:ext cx="0" cy="0"/>
+          <a:chOff x="0" y="0"/>
+          <a:chExt cx="0" cy="0"/>
+        </a:xfrm>
+      </p:grpSpPr>
+      <p:sp>
+        <p:nvSpPr>
           <p:cNvPr id="2" name="Подзаголовок 1"/>
           <p:cNvSpPr>
             <a:spLocks noGrp="1"/>
@@ -46170,7 +46370,7 @@
 </p:sld>
 </file>
 
-<file path=ppt/slides/slide33.xml><?xml version="1.0" encoding="utf-8"?>
+<file path=ppt/slides/slide35.xml><?xml version="1.0" encoding="utf-8"?>
 <p:sld xmlns:a="http://schemas.openxmlformats.org/drawingml/2006/main" xmlns:r="http://schemas.openxmlformats.org/officeDocument/2006/relationships" xmlns:p="http://schemas.openxmlformats.org/presentationml/2006/main">
   <p:cSld>
     <p:spTree>
@@ -46271,7 +46471,7 @@
 </p:sld>
 </file>
 
-<file path=ppt/slides/slide34.xml><?xml version="1.0" encoding="utf-8"?>
+<file path=ppt/slides/slide36.xml><?xml version="1.0" encoding="utf-8"?>
 <p:sld xmlns:a="http://schemas.openxmlformats.org/drawingml/2006/main" xmlns:r="http://schemas.openxmlformats.org/officeDocument/2006/relationships" xmlns:p="http://schemas.openxmlformats.org/presentationml/2006/main">
   <p:cSld>
     <p:spTree>
@@ -46488,7 +46688,7 @@
 </p:sld>
 </file>
 
-<file path=ppt/slides/slide35.xml><?xml version="1.0" encoding="utf-8"?>
+<file path=ppt/slides/slide37.xml><?xml version="1.0" encoding="utf-8"?>
 <p:sld xmlns:a="http://schemas.openxmlformats.org/drawingml/2006/main" xmlns:r="http://schemas.openxmlformats.org/officeDocument/2006/relationships" xmlns:p="http://schemas.openxmlformats.org/presentationml/2006/main">
   <p:cSld>
     <p:spTree>
@@ -46570,7 +46770,7 @@
 </p:sld>
 </file>
 
-<file path=ppt/slides/slide36.xml><?xml version="1.0" encoding="utf-8"?>
+<file path=ppt/slides/slide38.xml><?xml version="1.0" encoding="utf-8"?>
 <p:sld xmlns:a="http://schemas.openxmlformats.org/drawingml/2006/main" xmlns:r="http://schemas.openxmlformats.org/officeDocument/2006/relationships" xmlns:p="http://schemas.openxmlformats.org/presentationml/2006/main">
   <p:cSld>
     <p:spTree>
@@ -46642,251 +46842,6 @@
   <p:transition>
     <p:fade/>
   </p:transition>
-  <p:timing>
-    <p:tnLst>
-      <p:par>
-        <p:cTn id="1" dur="indefinite" restart="never" nodeType="tmRoot"/>
-      </p:par>
-    </p:tnLst>
-  </p:timing>
-</p:sld>
-</file>
-
-<file path=ppt/slides/slide37.xml><?xml version="1.0" encoding="utf-8"?>
-<p:sld xmlns:a="http://schemas.openxmlformats.org/drawingml/2006/main" xmlns:r="http://schemas.openxmlformats.org/officeDocument/2006/relationships" xmlns:p="http://schemas.openxmlformats.org/presentationml/2006/main">
-  <p:cSld>
-    <p:spTree>
-      <p:nvGrpSpPr>
-        <p:cNvPr id="1" name=""/>
-        <p:cNvGrpSpPr/>
-        <p:nvPr/>
-      </p:nvGrpSpPr>
-      <p:grpSpPr>
-        <a:xfrm>
-          <a:off x="0" y="0"/>
-          <a:ext cx="0" cy="0"/>
-          <a:chOff x="0" y="0"/>
-          <a:chExt cx="0" cy="0"/>
-        </a:xfrm>
-      </p:grpSpPr>
-      <p:sp>
-        <p:nvSpPr>
-          <p:cNvPr id="2" name="Заголовок 1"/>
-          <p:cNvSpPr>
-            <a:spLocks noGrp="1"/>
-          </p:cNvSpPr>
-          <p:nvPr>
-            <p:ph type="title"/>
-          </p:nvPr>
-        </p:nvSpPr>
-        <p:spPr/>
-        <p:txBody>
-          <a:bodyPr/>
-          <a:lstStyle/>
-          <a:p>
-            <a:r>
-              <a:rPr lang="ru-RU" dirty="0" smtClean="0"/>
-              <a:t>Проблемы</a:t>
-            </a:r>
-            <a:endParaRPr lang="ru-RU" dirty="0"/>
-          </a:p>
-        </p:txBody>
-      </p:sp>
-      <p:sp>
-        <p:nvSpPr>
-          <p:cNvPr id="3" name="Объект 2"/>
-          <p:cNvSpPr>
-            <a:spLocks noGrp="1"/>
-          </p:cNvSpPr>
-          <p:nvPr>
-            <p:ph idx="1"/>
-          </p:nvPr>
-        </p:nvSpPr>
-        <p:spPr/>
-        <p:txBody>
-          <a:bodyPr/>
-          <a:lstStyle/>
-          <a:p>
-            <a:r>
-              <a:rPr lang="ru-RU" dirty="0"/>
-              <a:t>О</a:t>
-            </a:r>
-            <a:r>
-              <a:rPr lang="ru-RU" dirty="0" smtClean="0"/>
-              <a:t>сновными </a:t>
-            </a:r>
-            <a:r>
-              <a:rPr lang="ru-RU" dirty="0"/>
-              <a:t>проблемами сопровождения индексов являются последствия </a:t>
-            </a:r>
-            <a:r>
-              <a:rPr lang="ru-RU" dirty="0" smtClean="0"/>
-              <a:t>разбиения </a:t>
-            </a:r>
-            <a:r>
-              <a:rPr lang="ru-RU" dirty="0"/>
-              <a:t>страниц (о котором говорилось еще раньше) и фрагментация данных на </a:t>
-            </a:r>
-            <a:r>
-              <a:rPr lang="ru-RU"/>
-              <a:t>страницах</a:t>
-            </a:r>
-            <a:r>
-              <a:rPr lang="ru-RU" smtClean="0"/>
-              <a:t>.</a:t>
-            </a:r>
-            <a:endParaRPr lang="ru-RU" dirty="0"/>
-          </a:p>
-        </p:txBody>
-      </p:sp>
-    </p:spTree>
-    <p:extLst>
-      <p:ext uri="{BB962C8B-B14F-4D97-AF65-F5344CB8AC3E}">
-        <p14:creationId xmlns:p14="http://schemas.microsoft.com/office/powerpoint/2010/main" val="2518713422"/>
-      </p:ext>
-    </p:extLst>
-  </p:cSld>
-  <p:clrMapOvr>
-    <a:masterClrMapping/>
-  </p:clrMapOvr>
-  <p:timing>
-    <p:tnLst>
-      <p:par>
-        <p:cTn id="1" dur="indefinite" restart="never" nodeType="tmRoot"/>
-      </p:par>
-    </p:tnLst>
-  </p:timing>
-</p:sld>
-</file>
-
-<file path=ppt/slides/slide38.xml><?xml version="1.0" encoding="utf-8"?>
-<p:sld xmlns:a="http://schemas.openxmlformats.org/drawingml/2006/main" xmlns:r="http://schemas.openxmlformats.org/officeDocument/2006/relationships" xmlns:p="http://schemas.openxmlformats.org/presentationml/2006/main">
-  <p:cSld>
-    <p:spTree>
-      <p:nvGrpSpPr>
-        <p:cNvPr id="1" name=""/>
-        <p:cNvGrpSpPr/>
-        <p:nvPr/>
-      </p:nvGrpSpPr>
-      <p:grpSpPr>
-        <a:xfrm>
-          <a:off x="0" y="0"/>
-          <a:ext cx="0" cy="0"/>
-          <a:chOff x="0" y="0"/>
-          <a:chExt cx="0" cy="0"/>
-        </a:xfrm>
-      </p:grpSpPr>
-      <p:sp>
-        <p:nvSpPr>
-          <p:cNvPr id="2" name="Заголовок 1"/>
-          <p:cNvSpPr>
-            <a:spLocks noGrp="1"/>
-          </p:cNvSpPr>
-          <p:nvPr>
-            <p:ph type="title"/>
-          </p:nvPr>
-        </p:nvSpPr>
-        <p:spPr/>
-        <p:txBody>
-          <a:bodyPr/>
-          <a:lstStyle/>
-          <a:p>
-            <a:r>
-              <a:rPr lang="ru-RU" dirty="0" smtClean="0"/>
-              <a:t>Фрагментация</a:t>
-            </a:r>
-            <a:endParaRPr lang="ru-RU" dirty="0"/>
-          </a:p>
-        </p:txBody>
-      </p:sp>
-      <p:sp>
-        <p:nvSpPr>
-          <p:cNvPr id="3" name="Объект 2"/>
-          <p:cNvSpPr>
-            <a:spLocks noGrp="1"/>
-          </p:cNvSpPr>
-          <p:nvPr>
-            <p:ph idx="1"/>
-          </p:nvPr>
-        </p:nvSpPr>
-        <p:spPr/>
-        <p:txBody>
-          <a:bodyPr/>
-          <a:lstStyle/>
-          <a:p>
-            <a:r>
-              <a:rPr lang="ru-RU" dirty="0"/>
-              <a:t>При удалении данных может оказаться, что некоторые страницы индекса будут иметь низкую степень заполнения. </a:t>
-            </a:r>
-            <a:endParaRPr lang="ru-RU" dirty="0" smtClean="0"/>
-          </a:p>
-          <a:p>
-            <a:r>
-              <a:rPr lang="ru-RU" dirty="0" smtClean="0"/>
-              <a:t>Например</a:t>
-            </a:r>
-            <a:r>
-              <a:rPr lang="ru-RU" dirty="0"/>
-              <a:t>, страница может содержать одну или несколько записей. При этом увеличивается размер напрасно </a:t>
-            </a:r>
-            <a:r>
-              <a:rPr lang="ru-RU" dirty="0" smtClean="0"/>
-              <a:t>расходуемого </a:t>
-            </a:r>
-            <a:r>
-              <a:rPr lang="ru-RU" dirty="0"/>
-              <a:t>пространства и замедляется работа, т.к. приходится считывать большее количество страниц.</a:t>
-            </a:r>
-          </a:p>
-          <a:p>
-            <a:r>
-              <a:rPr lang="ru-RU" dirty="0"/>
-              <a:t>С другой стороны высокая фрагментация ускоряет процесс вставки данных, т.к. не происходит разбиения страниц.</a:t>
-            </a:r>
-          </a:p>
-          <a:p>
-            <a:endParaRPr lang="ru-RU" dirty="0" smtClean="0"/>
-          </a:p>
-          <a:p>
-            <a:r>
-              <a:rPr lang="ru-RU" dirty="0" smtClean="0"/>
-              <a:t>Виды фрагментации:</a:t>
-            </a:r>
-            <a:endParaRPr lang="ru-RU" dirty="0"/>
-          </a:p>
-          <a:p>
-            <a:pPr marL="285750" indent="-285750">
-              <a:buFont typeface="Arial" panose="020B0604020202020204" pitchFamily="34" charset="0"/>
-              <a:buChar char="•"/>
-            </a:pPr>
-            <a:r>
-              <a:rPr lang="ru-RU" dirty="0" smtClean="0"/>
-              <a:t>Внутренняя – страницы заполнены не на 100%</a:t>
-            </a:r>
-          </a:p>
-          <a:p>
-            <a:pPr marL="285750" indent="-285750">
-              <a:buFont typeface="Arial" panose="020B0604020202020204" pitchFamily="34" charset="0"/>
-              <a:buChar char="•"/>
-            </a:pPr>
-            <a:r>
-              <a:rPr lang="ru-RU" dirty="0" smtClean="0"/>
-              <a:t>Внешняя – станицы в файле расположены не в том порядке, в котором они находятся в индексе</a:t>
-            </a:r>
-            <a:endParaRPr lang="ru-RU" dirty="0"/>
-          </a:p>
-        </p:txBody>
-      </p:sp>
-    </p:spTree>
-    <p:extLst>
-      <p:ext uri="{BB962C8B-B14F-4D97-AF65-F5344CB8AC3E}">
-        <p14:creationId xmlns:p14="http://schemas.microsoft.com/office/powerpoint/2010/main" val="371062351"/>
-      </p:ext>
-    </p:extLst>
-  </p:cSld>
-  <p:clrMapOvr>
-    <a:masterClrMapping/>
-  </p:clrMapOvr>
   <p:timing>
     <p:tnLst>
       <p:par>
@@ -46931,7 +46886,7 @@
           <a:p>
             <a:r>
               <a:rPr lang="ru-RU" dirty="0" smtClean="0"/>
-              <a:t>Внутренняя фрагментация</a:t>
+              <a:t>Проблемы</a:t>
             </a:r>
             <a:endParaRPr lang="ru-RU" dirty="0"/>
           </a:p>
@@ -46952,37 +46907,42 @@
           <a:bodyPr/>
           <a:lstStyle/>
           <a:p>
-            <a:endParaRPr lang="ru-RU"/>
+            <a:r>
+              <a:rPr lang="ru-RU" dirty="0"/>
+              <a:t>О</a:t>
+            </a:r>
+            <a:r>
+              <a:rPr lang="ru-RU" dirty="0" smtClean="0"/>
+              <a:t>сновными </a:t>
+            </a:r>
+            <a:r>
+              <a:rPr lang="ru-RU" dirty="0"/>
+              <a:t>проблемами сопровождения индексов являются последствия </a:t>
+            </a:r>
+            <a:r>
+              <a:rPr lang="ru-RU" dirty="0" smtClean="0"/>
+              <a:t>разбиения </a:t>
+            </a:r>
+            <a:r>
+              <a:rPr lang="ru-RU" dirty="0"/>
+              <a:t>страниц (о котором говорилось еще раньше) и фрагментация данных на </a:t>
+            </a:r>
+            <a:r>
+              <a:rPr lang="ru-RU"/>
+              <a:t>страницах</a:t>
+            </a:r>
+            <a:r>
+              <a:rPr lang="ru-RU" smtClean="0"/>
+              <a:t>.</a:t>
+            </a:r>
+            <a:endParaRPr lang="ru-RU" dirty="0"/>
           </a:p>
         </p:txBody>
       </p:sp>
-      <p:pic>
-        <p:nvPicPr>
-          <p:cNvPr id="4" name="Рисунок 3"/>
-          <p:cNvPicPr>
-            <a:picLocks noChangeAspect="1"/>
-          </p:cNvPicPr>
-          <p:nvPr/>
-        </p:nvPicPr>
-        <p:blipFill rotWithShape="1">
-          <a:blip r:embed="rId2"/>
-          <a:srcRect l="12581" t="18608" r="14420" b="22621"/>
-          <a:stretch/>
-        </p:blipFill>
-        <p:spPr>
-          <a:xfrm>
-            <a:off x="766119" y="1136822"/>
-            <a:ext cx="7017257" cy="4241628"/>
-          </a:xfrm>
-          <a:prstGeom prst="rect">
-            <a:avLst/>
-          </a:prstGeom>
-        </p:spPr>
-      </p:pic>
     </p:spTree>
     <p:extLst>
       <p:ext uri="{BB962C8B-B14F-4D97-AF65-F5344CB8AC3E}">
-        <p14:creationId xmlns:p14="http://schemas.microsoft.com/office/powerpoint/2010/main" val="3891288709"/>
+        <p14:creationId xmlns:p14="http://schemas.microsoft.com/office/powerpoint/2010/main" val="2518713422"/>
       </p:ext>
     </p:extLst>
   </p:cSld>
@@ -47160,7 +47120,7 @@
           <a:p>
             <a:r>
               <a:rPr lang="ru-RU" dirty="0" smtClean="0"/>
-              <a:t>Внешняя фрагментация</a:t>
+              <a:t>Фрагментация</a:t>
             </a:r>
             <a:endParaRPr lang="ru-RU" dirty="0"/>
           </a:p>
@@ -47181,37 +47141,73 @@
           <a:bodyPr/>
           <a:lstStyle/>
           <a:p>
+            <a:r>
+              <a:rPr lang="ru-RU" dirty="0"/>
+              <a:t>При удалении данных может оказаться, что некоторые страницы индекса будут иметь низкую степень заполнения. </a:t>
+            </a:r>
+            <a:endParaRPr lang="ru-RU" dirty="0" smtClean="0"/>
+          </a:p>
+          <a:p>
+            <a:r>
+              <a:rPr lang="ru-RU" dirty="0" smtClean="0"/>
+              <a:t>Например</a:t>
+            </a:r>
+            <a:r>
+              <a:rPr lang="ru-RU" dirty="0"/>
+              <a:t>, страница может содержать одну или несколько записей. При этом увеличивается размер напрасно </a:t>
+            </a:r>
+            <a:r>
+              <a:rPr lang="ru-RU" dirty="0" smtClean="0"/>
+              <a:t>расходуемого </a:t>
+            </a:r>
+            <a:r>
+              <a:rPr lang="ru-RU" dirty="0"/>
+              <a:t>пространства и замедляется работа, т.к. приходится считывать большее количество страниц.</a:t>
+            </a:r>
+          </a:p>
+          <a:p>
+            <a:r>
+              <a:rPr lang="ru-RU" dirty="0"/>
+              <a:t>С другой стороны высокая фрагментация ускоряет процесс вставки данных, т.к. не происходит разбиения страниц.</a:t>
+            </a:r>
+          </a:p>
+          <a:p>
+            <a:endParaRPr lang="ru-RU" dirty="0" smtClean="0"/>
+          </a:p>
+          <a:p>
+            <a:r>
+              <a:rPr lang="ru-RU" dirty="0" smtClean="0"/>
+              <a:t>Виды фрагментации:</a:t>
+            </a:r>
+            <a:endParaRPr lang="ru-RU" dirty="0"/>
+          </a:p>
+          <a:p>
+            <a:pPr marL="285750" indent="-285750">
+              <a:buFont typeface="Arial" panose="020B0604020202020204" pitchFamily="34" charset="0"/>
+              <a:buChar char="•"/>
+            </a:pPr>
+            <a:r>
+              <a:rPr lang="ru-RU" dirty="0" smtClean="0"/>
+              <a:t>Внутренняя – страницы заполнены не на 100%</a:t>
+            </a:r>
+          </a:p>
+          <a:p>
+            <a:pPr marL="285750" indent="-285750">
+              <a:buFont typeface="Arial" panose="020B0604020202020204" pitchFamily="34" charset="0"/>
+              <a:buChar char="•"/>
+            </a:pPr>
+            <a:r>
+              <a:rPr lang="ru-RU" dirty="0" smtClean="0"/>
+              <a:t>Внешняя – станицы в файле расположены не в том порядке, в котором они находятся в индексе</a:t>
+            </a:r>
             <a:endParaRPr lang="ru-RU" dirty="0"/>
           </a:p>
         </p:txBody>
       </p:sp>
-      <p:pic>
-        <p:nvPicPr>
-          <p:cNvPr id="4" name="Рисунок 3"/>
-          <p:cNvPicPr>
-            <a:picLocks noChangeAspect="1"/>
-          </p:cNvPicPr>
-          <p:nvPr/>
-        </p:nvPicPr>
-        <p:blipFill rotWithShape="1">
-          <a:blip r:embed="rId2"/>
-          <a:srcRect t="18067" b="26412"/>
-          <a:stretch/>
-        </p:blipFill>
-        <p:spPr>
-          <a:xfrm>
-            <a:off x="693265" y="1618734"/>
-            <a:ext cx="7707349" cy="3212757"/>
-          </a:xfrm>
-          <a:prstGeom prst="rect">
-            <a:avLst/>
-          </a:prstGeom>
-        </p:spPr>
-      </p:pic>
     </p:spTree>
     <p:extLst>
       <p:ext uri="{BB962C8B-B14F-4D97-AF65-F5344CB8AC3E}">
-        <p14:creationId xmlns:p14="http://schemas.microsoft.com/office/powerpoint/2010/main" val="2713925438"/>
+        <p14:creationId xmlns:p14="http://schemas.microsoft.com/office/powerpoint/2010/main" val="371062351"/>
       </p:ext>
     </p:extLst>
   </p:cSld>
@@ -47262,7 +47258,7 @@
           <a:p>
             <a:r>
               <a:rPr lang="ru-RU" dirty="0" smtClean="0"/>
-              <a:t>Анализ уровня заполнения</a:t>
+              <a:t>Внутренняя фрагментация</a:t>
             </a:r>
             <a:endParaRPr lang="ru-RU" dirty="0"/>
           </a:p>
@@ -47283,543 +47279,37 @@
           <a:bodyPr/>
           <a:lstStyle/>
           <a:p>
-            <a:r>
-              <a:rPr lang="ru-RU" dirty="0"/>
-              <a:t>Определение уровня заполнения страниц и экстентов. </a:t>
-            </a:r>
-          </a:p>
-          <a:p>
-            <a:endParaRPr lang="ru-RU" dirty="0"/>
-          </a:p>
-          <a:p>
-            <a:endParaRPr lang="en-US" dirty="0"/>
-          </a:p>
-          <a:p>
-            <a:endParaRPr lang="ru-RU" dirty="0" smtClean="0"/>
-          </a:p>
-          <a:p>
-            <a:endParaRPr lang="ru-RU" dirty="0"/>
-          </a:p>
-          <a:p>
-            <a:endParaRPr lang="ru-RU" dirty="0" smtClean="0"/>
-          </a:p>
-          <a:p>
-            <a:r>
-              <a:rPr lang="ru-RU" dirty="0" smtClean="0"/>
-              <a:t>Пример</a:t>
-            </a:r>
-            <a:r>
-              <a:rPr lang="ru-RU" dirty="0"/>
-              <a:t>: изменение заполнения страниц при удалении </a:t>
-            </a:r>
-            <a:r>
-              <a:rPr lang="ru-RU" dirty="0" smtClean="0"/>
-              <a:t>строк</a:t>
-            </a:r>
-          </a:p>
-          <a:p>
-            <a:endParaRPr lang="ru-RU" dirty="0"/>
-          </a:p>
-          <a:p>
-            <a:endParaRPr lang="ru-RU" dirty="0" smtClean="0"/>
-          </a:p>
-          <a:p>
-            <a:r>
-              <a:rPr lang="ru-RU" sz="1200" dirty="0"/>
-              <a:t>DBCC SHOWCONTIG просматривает таблицу "</a:t>
-            </a:r>
-            <a:r>
-              <a:rPr lang="ru-RU" sz="1200" dirty="0" err="1"/>
-              <a:t>tst</a:t>
-            </a:r>
-            <a:r>
-              <a:rPr lang="ru-RU" sz="1200" dirty="0"/>
-              <a:t>"..</a:t>
-            </a:r>
-          </a:p>
-          <a:p>
-            <a:r>
-              <a:rPr lang="ru-RU" sz="1200" dirty="0"/>
-              <a:t>Таблица: "</a:t>
-            </a:r>
-            <a:r>
-              <a:rPr lang="ru-RU" sz="1200" dirty="0" err="1"/>
-              <a:t>tst</a:t>
-            </a:r>
-            <a:r>
-              <a:rPr lang="ru-RU" sz="1200" dirty="0"/>
-              <a:t>" (245575913); идентификатор индекса: 3, идентификатор базы данных: 20</a:t>
-            </a:r>
-          </a:p>
-          <a:p>
-            <a:r>
-              <a:rPr lang="ru-RU" sz="1200" dirty="0"/>
-              <a:t>Выполнен просмотр </a:t>
-            </a:r>
-            <a:r>
-              <a:rPr lang="en-US" sz="1200" dirty="0"/>
-              <a:t>LEAF </a:t>
-            </a:r>
-            <a:r>
-              <a:rPr lang="ru-RU" sz="1200" dirty="0"/>
-              <a:t>уровня.</a:t>
-            </a:r>
-          </a:p>
-          <a:p>
-            <a:r>
-              <a:rPr lang="ru-RU" sz="1200" dirty="0"/>
-              <a:t>- Просмотрено страниц................: 224</a:t>
-            </a:r>
-          </a:p>
-          <a:p>
-            <a:r>
-              <a:rPr lang="ru-RU" sz="1200" dirty="0"/>
-              <a:t>- Просмотрено экстентов................: 28</a:t>
-            </a:r>
-          </a:p>
-          <a:p>
-            <a:r>
-              <a:rPr lang="ru-RU" sz="1200" dirty="0"/>
-              <a:t>- Переключений экстентов................: 27</a:t>
-            </a:r>
-          </a:p>
-          <a:p>
-            <a:r>
-              <a:rPr lang="ru-RU" sz="1200" dirty="0"/>
-              <a:t>- Среднее число страниц на экстент............: 8.0</a:t>
-            </a:r>
-          </a:p>
-          <a:p>
-            <a:r>
-              <a:rPr lang="ru-RU" sz="1200" dirty="0"/>
-              <a:t>- Плотность просмотра [лучший </a:t>
-            </a:r>
-            <a:r>
-              <a:rPr lang="ru-RU" sz="1200" dirty="0" err="1"/>
-              <a:t>счетчик:фактический</a:t>
-            </a:r>
-            <a:r>
-              <a:rPr lang="ru-RU" sz="1200" dirty="0"/>
-              <a:t> счетчик]....: 100.00% [28:28]</a:t>
-            </a:r>
-          </a:p>
-          <a:p>
-            <a:r>
-              <a:rPr lang="ru-RU" sz="1200" dirty="0"/>
-              <a:t>- Логическое разбиение просмотра.........: 0.45%</a:t>
-            </a:r>
-          </a:p>
-          <a:p>
-            <a:r>
-              <a:rPr lang="ru-RU" sz="1200" dirty="0"/>
-              <a:t>- Разбиение просмотра по экстентам.........: 7.14%</a:t>
-            </a:r>
-          </a:p>
-          <a:p>
-            <a:r>
-              <a:rPr lang="ru-RU" sz="1200" dirty="0"/>
-              <a:t>- В среднем байт на страницу............: 60.3</a:t>
-            </a:r>
-          </a:p>
-          <a:p>
-            <a:r>
-              <a:rPr lang="ru-RU" sz="1200" dirty="0"/>
-              <a:t>- Средняя плотность страницы (полная)...........: 99.26%</a:t>
-            </a:r>
-          </a:p>
-          <a:p>
-            <a:r>
-              <a:rPr lang="ru-RU" sz="1200" dirty="0"/>
-              <a:t>Выполнение DBCC завершено. Если DBCC выдает сообщения об ошибках, обратитесь к системному администратору.</a:t>
-            </a:r>
-          </a:p>
-          <a:p>
-            <a:endParaRPr lang="ru-RU" dirty="0"/>
-          </a:p>
-          <a:p>
-            <a:endParaRPr lang="ru-RU" dirty="0"/>
+            <a:endParaRPr lang="ru-RU"/>
           </a:p>
         </p:txBody>
       </p:sp>
-      <p:sp>
-        <p:nvSpPr>
-          <p:cNvPr id="4" name="AutoShape 3"/>
-          <p:cNvSpPr>
-            <a:spLocks noChangeArrowheads="1"/>
-          </p:cNvSpPr>
+      <p:pic>
+        <p:nvPicPr>
+          <p:cNvPr id="4" name="Рисунок 3"/>
+          <p:cNvPicPr>
+            <a:picLocks noChangeAspect="1"/>
+          </p:cNvPicPr>
           <p:nvPr/>
-        </p:nvSpPr>
-        <p:spPr bwMode="auto">
+        </p:nvPicPr>
+        <p:blipFill rotWithShape="1">
+          <a:blip r:embed="rId2"/>
+          <a:srcRect l="12581" t="18608" r="14420" b="22621"/>
+          <a:stretch/>
+        </p:blipFill>
+        <p:spPr>
           <a:xfrm>
-            <a:off x="400404" y="1619951"/>
-            <a:ext cx="7893929" cy="1054953"/>
+            <a:off x="766119" y="1136822"/>
+            <a:ext cx="7017257" cy="4241628"/>
           </a:xfrm>
-          <a:prstGeom prst="roundRect">
-            <a:avLst>
-              <a:gd name="adj" fmla="val 7093"/>
-            </a:avLst>
+          <a:prstGeom prst="rect">
+            <a:avLst/>
           </a:prstGeom>
-          <a:solidFill>
-            <a:schemeClr val="accent2">
-              <a:lumMod val="20000"/>
-              <a:lumOff val="80000"/>
-            </a:schemeClr>
-          </a:solidFill>
-          <a:ln w="9525" algn="ctr">
-            <a:solidFill>
-              <a:srgbClr val="808080"/>
-            </a:solidFill>
-            <a:round/>
-            <a:headEnd/>
-            <a:tailEnd/>
-          </a:ln>
-          <a:effectLst>
-            <a:outerShdw dist="35921" dir="2700000" algn="ctr" rotWithShape="0">
-              <a:schemeClr val="bg2"/>
-            </a:outerShdw>
-          </a:effectLst>
         </p:spPr>
-        <p:txBody>
-          <a:bodyPr wrap="square" anchor="ctr">
-            <a:spAutoFit/>
-          </a:bodyPr>
-          <a:lstStyle/>
-          <a:p>
-            <a:r>
-              <a:rPr lang="en-US" sz="2000" dirty="0">
-                <a:solidFill>
-                  <a:srgbClr val="0000FF"/>
-                </a:solidFill>
-                <a:latin typeface="Consolas" panose="020B0609020204030204" pitchFamily="49" charset="0"/>
-              </a:rPr>
-              <a:t>DBCC</a:t>
-            </a:r>
-            <a:r>
-              <a:rPr lang="en-US" sz="2000" dirty="0">
-                <a:solidFill>
-                  <a:prstClr val="black"/>
-                </a:solidFill>
-                <a:latin typeface="Consolas" panose="020B0609020204030204" pitchFamily="49" charset="0"/>
-              </a:rPr>
-              <a:t> SHOWCONTIG </a:t>
-            </a:r>
-          </a:p>
-          <a:p>
-            <a:r>
-              <a:rPr lang="en-US" sz="2000" dirty="0">
-                <a:solidFill>
-                  <a:prstClr val="black"/>
-                </a:solidFill>
-                <a:latin typeface="Consolas" panose="020B0609020204030204" pitchFamily="49" charset="0"/>
-              </a:rPr>
-              <a:t>[ (  { '</a:t>
-            </a:r>
-            <a:r>
-              <a:rPr lang="en-US" sz="2000" dirty="0" err="1">
-                <a:solidFill>
-                  <a:prstClr val="black"/>
-                </a:solidFill>
-                <a:latin typeface="Consolas" panose="020B0609020204030204" pitchFamily="49" charset="0"/>
-              </a:rPr>
-              <a:t>table_name</a:t>
-            </a:r>
-            <a:r>
-              <a:rPr lang="en-US" sz="2000" dirty="0">
-                <a:solidFill>
-                  <a:prstClr val="black"/>
-                </a:solidFill>
-                <a:latin typeface="Consolas" panose="020B0609020204030204" pitchFamily="49" charset="0"/>
-              </a:rPr>
-              <a:t>' | </a:t>
-            </a:r>
-            <a:r>
-              <a:rPr lang="en-US" sz="2000" dirty="0" err="1">
-                <a:solidFill>
-                  <a:prstClr val="black"/>
-                </a:solidFill>
-                <a:latin typeface="Consolas" panose="020B0609020204030204" pitchFamily="49" charset="0"/>
-              </a:rPr>
-              <a:t>table_id</a:t>
-            </a:r>
-            <a:r>
-              <a:rPr lang="en-US" sz="2000" dirty="0">
-                <a:solidFill>
-                  <a:prstClr val="black"/>
-                </a:solidFill>
-                <a:latin typeface="Consolas" panose="020B0609020204030204" pitchFamily="49" charset="0"/>
-              </a:rPr>
-              <a:t> | '</a:t>
-            </a:r>
-            <a:r>
-              <a:rPr lang="en-US" sz="2000" dirty="0" err="1">
-                <a:solidFill>
-                  <a:prstClr val="black"/>
-                </a:solidFill>
-                <a:latin typeface="Consolas" panose="020B0609020204030204" pitchFamily="49" charset="0"/>
-              </a:rPr>
-              <a:t>view_name</a:t>
-            </a:r>
-            <a:r>
-              <a:rPr lang="en-US" sz="2000" dirty="0">
-                <a:solidFill>
-                  <a:prstClr val="black"/>
-                </a:solidFill>
-                <a:latin typeface="Consolas" panose="020B0609020204030204" pitchFamily="49" charset="0"/>
-              </a:rPr>
-              <a:t>' | </a:t>
-            </a:r>
-            <a:r>
-              <a:rPr lang="en-US" sz="2000" dirty="0" err="1">
-                <a:solidFill>
-                  <a:prstClr val="black"/>
-                </a:solidFill>
-                <a:latin typeface="Consolas" panose="020B0609020204030204" pitchFamily="49" charset="0"/>
-              </a:rPr>
-              <a:t>view_id</a:t>
-            </a:r>
-            <a:r>
-              <a:rPr lang="en-US" sz="2000" dirty="0">
-                <a:solidFill>
-                  <a:prstClr val="black"/>
-                </a:solidFill>
-                <a:latin typeface="Consolas" panose="020B0609020204030204" pitchFamily="49" charset="0"/>
-              </a:rPr>
-              <a:t> } </a:t>
-            </a:r>
-            <a:r>
-              <a:rPr lang="en-US" sz="2000" dirty="0" smtClean="0">
-                <a:solidFill>
-                  <a:prstClr val="black"/>
-                </a:solidFill>
-                <a:latin typeface="Consolas" panose="020B0609020204030204" pitchFamily="49" charset="0"/>
-              </a:rPr>
-              <a:t>[ </a:t>
-            </a:r>
-            <a:r>
-              <a:rPr lang="en-US" sz="2000" dirty="0">
-                <a:solidFill>
-                  <a:prstClr val="black"/>
-                </a:solidFill>
-                <a:latin typeface="Consolas" panose="020B0609020204030204" pitchFamily="49" charset="0"/>
-              </a:rPr>
-              <a:t>, '</a:t>
-            </a:r>
-            <a:r>
-              <a:rPr lang="en-US" sz="2000" dirty="0" err="1">
-                <a:solidFill>
-                  <a:prstClr val="black"/>
-                </a:solidFill>
-                <a:latin typeface="Consolas" panose="020B0609020204030204" pitchFamily="49" charset="0"/>
-              </a:rPr>
-              <a:t>index_name</a:t>
-            </a:r>
-            <a:r>
-              <a:rPr lang="en-US" sz="2000" dirty="0">
-                <a:solidFill>
-                  <a:prstClr val="black"/>
-                </a:solidFill>
-                <a:latin typeface="Consolas" panose="020B0609020204030204" pitchFamily="49" charset="0"/>
-              </a:rPr>
-              <a:t>' | </a:t>
-            </a:r>
-            <a:r>
-              <a:rPr lang="en-US" sz="2000" dirty="0" err="1">
-                <a:solidFill>
-                  <a:prstClr val="black"/>
-                </a:solidFill>
-                <a:latin typeface="Consolas" panose="020B0609020204030204" pitchFamily="49" charset="0"/>
-              </a:rPr>
-              <a:t>index_id</a:t>
-            </a:r>
-            <a:r>
-              <a:rPr lang="en-US" sz="2000" dirty="0">
-                <a:solidFill>
-                  <a:prstClr val="black"/>
-                </a:solidFill>
-                <a:latin typeface="Consolas" panose="020B0609020204030204" pitchFamily="49" charset="0"/>
-              </a:rPr>
-              <a:t> ] </a:t>
-            </a:r>
-            <a:r>
-              <a:rPr lang="en-US" sz="2000" dirty="0">
-                <a:solidFill>
-                  <a:srgbClr val="808080"/>
-                </a:solidFill>
-                <a:latin typeface="Consolas" panose="020B0609020204030204" pitchFamily="49" charset="0"/>
-              </a:rPr>
-              <a:t>)</a:t>
-            </a:r>
-            <a:r>
-              <a:rPr lang="en-US" sz="2000" dirty="0">
-                <a:solidFill>
-                  <a:prstClr val="black"/>
-                </a:solidFill>
-                <a:latin typeface="Consolas" panose="020B0609020204030204" pitchFamily="49" charset="0"/>
-              </a:rPr>
-              <a:t>] </a:t>
-            </a:r>
-          </a:p>
-        </p:txBody>
-      </p:sp>
-      <p:sp>
-        <p:nvSpPr>
-          <p:cNvPr id="5" name="AutoShape 3"/>
-          <p:cNvSpPr>
-            <a:spLocks noChangeArrowheads="1"/>
-          </p:cNvSpPr>
-          <p:nvPr/>
-        </p:nvSpPr>
-        <p:spPr bwMode="auto">
-          <a:xfrm>
-            <a:off x="400403" y="3185319"/>
-            <a:ext cx="7893929" cy="415588"/>
-          </a:xfrm>
-          <a:prstGeom prst="roundRect">
-            <a:avLst>
-              <a:gd name="adj" fmla="val 7093"/>
-            </a:avLst>
-          </a:prstGeom>
-          <a:solidFill>
-            <a:schemeClr val="accent2">
-              <a:lumMod val="20000"/>
-              <a:lumOff val="80000"/>
-            </a:schemeClr>
-          </a:solidFill>
-          <a:ln w="9525" algn="ctr">
-            <a:solidFill>
-              <a:srgbClr val="808080"/>
-            </a:solidFill>
-            <a:round/>
-            <a:headEnd/>
-            <a:tailEnd/>
-          </a:ln>
-          <a:effectLst>
-            <a:outerShdw dist="35921" dir="2700000" algn="ctr" rotWithShape="0">
-              <a:schemeClr val="bg2"/>
-            </a:outerShdw>
-          </a:effectLst>
-        </p:spPr>
-        <p:txBody>
-          <a:bodyPr wrap="square" anchor="ctr">
-            <a:spAutoFit/>
-          </a:bodyPr>
-          <a:lstStyle/>
-          <a:p>
-            <a:r>
-              <a:rPr lang="en-US" sz="2000" dirty="0">
-                <a:solidFill>
-                  <a:srgbClr val="0000FF"/>
-                </a:solidFill>
-                <a:latin typeface="Consolas" panose="020B0609020204030204" pitchFamily="49" charset="0"/>
-              </a:rPr>
-              <a:t>DBCC</a:t>
-            </a:r>
-            <a:r>
-              <a:rPr lang="en-US" sz="2000" dirty="0">
-                <a:solidFill>
-                  <a:prstClr val="black"/>
-                </a:solidFill>
-                <a:latin typeface="Consolas" panose="020B0609020204030204" pitchFamily="49" charset="0"/>
-              </a:rPr>
-              <a:t> SHOWCONTIG</a:t>
-            </a:r>
-            <a:r>
-              <a:rPr lang="en-US" sz="2000" dirty="0">
-                <a:solidFill>
-                  <a:srgbClr val="0000FF"/>
-                </a:solidFill>
-                <a:latin typeface="Consolas" panose="020B0609020204030204" pitchFamily="49" charset="0"/>
-              </a:rPr>
-              <a:t> </a:t>
-            </a:r>
-            <a:r>
-              <a:rPr lang="en-US" sz="2000" dirty="0">
-                <a:solidFill>
-                  <a:srgbClr val="808080"/>
-                </a:solidFill>
-                <a:latin typeface="Consolas" panose="020B0609020204030204" pitchFamily="49" charset="0"/>
-              </a:rPr>
-              <a:t>(</a:t>
-            </a:r>
-            <a:r>
-              <a:rPr lang="en-US" sz="2000" dirty="0">
-                <a:solidFill>
-                  <a:srgbClr val="FF0000"/>
-                </a:solidFill>
-                <a:latin typeface="Consolas" panose="020B0609020204030204" pitchFamily="49" charset="0"/>
-              </a:rPr>
-              <a:t>'</a:t>
-            </a:r>
-            <a:r>
-              <a:rPr lang="en-US" sz="2000" dirty="0" err="1">
-                <a:solidFill>
-                  <a:srgbClr val="FF0000"/>
-                </a:solidFill>
-                <a:latin typeface="Consolas" panose="020B0609020204030204" pitchFamily="49" charset="0"/>
-              </a:rPr>
-              <a:t>tst</a:t>
-            </a:r>
-            <a:r>
-              <a:rPr lang="en-US" sz="2000" dirty="0">
-                <a:solidFill>
-                  <a:srgbClr val="FF0000"/>
-                </a:solidFill>
-                <a:latin typeface="Consolas" panose="020B0609020204030204" pitchFamily="49" charset="0"/>
-              </a:rPr>
-              <a:t>'</a:t>
-            </a:r>
-            <a:r>
-              <a:rPr lang="en-US" sz="2000" dirty="0">
-                <a:solidFill>
-                  <a:srgbClr val="808080"/>
-                </a:solidFill>
-                <a:latin typeface="Consolas" panose="020B0609020204030204" pitchFamily="49" charset="0"/>
-              </a:rPr>
-              <a:t>,</a:t>
-            </a:r>
-            <a:r>
-              <a:rPr lang="en-US" sz="2000" dirty="0">
-                <a:solidFill>
-                  <a:srgbClr val="FF0000"/>
-                </a:solidFill>
-                <a:latin typeface="Consolas" panose="020B0609020204030204" pitchFamily="49" charset="0"/>
-              </a:rPr>
-              <a:t>'</a:t>
-            </a:r>
-            <a:r>
-              <a:rPr lang="en-US" sz="2000" dirty="0" err="1">
-                <a:solidFill>
-                  <a:srgbClr val="FF0000"/>
-                </a:solidFill>
-                <a:latin typeface="Consolas" panose="020B0609020204030204" pitchFamily="49" charset="0"/>
-              </a:rPr>
-              <a:t>indTst</a:t>
-            </a:r>
-            <a:r>
-              <a:rPr lang="en-US" sz="2000" dirty="0">
-                <a:solidFill>
-                  <a:srgbClr val="FF0000"/>
-                </a:solidFill>
-                <a:latin typeface="Consolas" panose="020B0609020204030204" pitchFamily="49" charset="0"/>
-              </a:rPr>
-              <a:t>'</a:t>
-            </a:r>
-            <a:r>
-              <a:rPr lang="en-US" sz="2000" dirty="0">
-                <a:solidFill>
-                  <a:srgbClr val="808080"/>
-                </a:solidFill>
-                <a:latin typeface="Consolas" panose="020B0609020204030204" pitchFamily="49" charset="0"/>
-              </a:rPr>
-              <a:t>)</a:t>
-            </a:r>
-          </a:p>
-        </p:txBody>
-      </p:sp>
+      </p:pic>
     </p:spTree>
     <p:extLst>
       <p:ext uri="{BB962C8B-B14F-4D97-AF65-F5344CB8AC3E}">
-        <p14:creationId xmlns:p14="http://schemas.microsoft.com/office/powerpoint/2010/main" val="1373584853"/>
+        <p14:creationId xmlns:p14="http://schemas.microsoft.com/office/powerpoint/2010/main" val="3891288709"/>
       </p:ext>
     </p:extLst>
   </p:cSld>
@@ -47869,6 +47359,716 @@
           <a:lstStyle/>
           <a:p>
             <a:r>
+              <a:rPr lang="ru-RU" dirty="0" smtClean="0"/>
+              <a:t>Внешняя фрагментация</a:t>
+            </a:r>
+            <a:endParaRPr lang="ru-RU" dirty="0"/>
+          </a:p>
+        </p:txBody>
+      </p:sp>
+      <p:sp>
+        <p:nvSpPr>
+          <p:cNvPr id="3" name="Объект 2"/>
+          <p:cNvSpPr>
+            <a:spLocks noGrp="1"/>
+          </p:cNvSpPr>
+          <p:nvPr>
+            <p:ph idx="1"/>
+          </p:nvPr>
+        </p:nvSpPr>
+        <p:spPr/>
+        <p:txBody>
+          <a:bodyPr/>
+          <a:lstStyle/>
+          <a:p>
+            <a:endParaRPr lang="ru-RU" dirty="0"/>
+          </a:p>
+        </p:txBody>
+      </p:sp>
+      <p:pic>
+        <p:nvPicPr>
+          <p:cNvPr id="4" name="Рисунок 3"/>
+          <p:cNvPicPr>
+            <a:picLocks noChangeAspect="1"/>
+          </p:cNvPicPr>
+          <p:nvPr/>
+        </p:nvPicPr>
+        <p:blipFill rotWithShape="1">
+          <a:blip r:embed="rId2"/>
+          <a:srcRect t="18067" b="26412"/>
+          <a:stretch/>
+        </p:blipFill>
+        <p:spPr>
+          <a:xfrm>
+            <a:off x="693265" y="1618734"/>
+            <a:ext cx="7707349" cy="3212757"/>
+          </a:xfrm>
+          <a:prstGeom prst="rect">
+            <a:avLst/>
+          </a:prstGeom>
+        </p:spPr>
+      </p:pic>
+    </p:spTree>
+    <p:extLst>
+      <p:ext uri="{BB962C8B-B14F-4D97-AF65-F5344CB8AC3E}">
+        <p14:creationId xmlns:p14="http://schemas.microsoft.com/office/powerpoint/2010/main" val="2713925438"/>
+      </p:ext>
+    </p:extLst>
+  </p:cSld>
+  <p:clrMapOvr>
+    <a:masterClrMapping/>
+  </p:clrMapOvr>
+  <p:timing>
+    <p:tnLst>
+      <p:par>
+        <p:cTn id="1" dur="indefinite" restart="never" nodeType="tmRoot"/>
+      </p:par>
+    </p:tnLst>
+  </p:timing>
+</p:sld>
+</file>
+
+<file path=ppt/slides/slide43.xml><?xml version="1.0" encoding="utf-8"?>
+<p:sld xmlns:a="http://schemas.openxmlformats.org/drawingml/2006/main" xmlns:r="http://schemas.openxmlformats.org/officeDocument/2006/relationships" xmlns:p="http://schemas.openxmlformats.org/presentationml/2006/main">
+  <p:cSld>
+    <p:spTree>
+      <p:nvGrpSpPr>
+        <p:cNvPr id="1" name=""/>
+        <p:cNvGrpSpPr/>
+        <p:nvPr/>
+      </p:nvGrpSpPr>
+      <p:grpSpPr>
+        <a:xfrm>
+          <a:off x="0" y="0"/>
+          <a:ext cx="0" cy="0"/>
+          <a:chOff x="0" y="0"/>
+          <a:chExt cx="0" cy="0"/>
+        </a:xfrm>
+      </p:grpSpPr>
+      <p:sp>
+        <p:nvSpPr>
+          <p:cNvPr id="2" name="Заголовок 1"/>
+          <p:cNvSpPr>
+            <a:spLocks noGrp="1"/>
+          </p:cNvSpPr>
+          <p:nvPr>
+            <p:ph type="title"/>
+          </p:nvPr>
+        </p:nvSpPr>
+        <p:spPr/>
+        <p:txBody>
+          <a:bodyPr/>
+          <a:lstStyle/>
+          <a:p>
+            <a:r>
+              <a:rPr lang="ru-RU" dirty="0" smtClean="0"/>
+              <a:t>Анализ уровня заполнения</a:t>
+            </a:r>
+            <a:endParaRPr lang="ru-RU" dirty="0"/>
+          </a:p>
+        </p:txBody>
+      </p:sp>
+      <p:sp>
+        <p:nvSpPr>
+          <p:cNvPr id="3" name="Объект 2"/>
+          <p:cNvSpPr>
+            <a:spLocks noGrp="1"/>
+          </p:cNvSpPr>
+          <p:nvPr>
+            <p:ph idx="1"/>
+          </p:nvPr>
+        </p:nvSpPr>
+        <p:spPr/>
+        <p:txBody>
+          <a:bodyPr/>
+          <a:lstStyle/>
+          <a:p>
+            <a:r>
+              <a:rPr lang="ru-RU" dirty="0"/>
+              <a:t>Определение уровня заполнения страниц и экстентов. </a:t>
+            </a:r>
+          </a:p>
+          <a:p>
+            <a:endParaRPr lang="ru-RU" dirty="0"/>
+          </a:p>
+          <a:p>
+            <a:endParaRPr lang="en-US" dirty="0"/>
+          </a:p>
+          <a:p>
+            <a:endParaRPr lang="ru-RU" dirty="0" smtClean="0"/>
+          </a:p>
+          <a:p>
+            <a:endParaRPr lang="ru-RU" dirty="0"/>
+          </a:p>
+          <a:p>
+            <a:endParaRPr lang="ru-RU" dirty="0" smtClean="0"/>
+          </a:p>
+          <a:p>
+            <a:r>
+              <a:rPr lang="ru-RU" dirty="0" smtClean="0"/>
+              <a:t>Пример</a:t>
+            </a:r>
+            <a:r>
+              <a:rPr lang="ru-RU" dirty="0"/>
+              <a:t>: изменение заполнения страниц при удалении </a:t>
+            </a:r>
+            <a:r>
+              <a:rPr lang="ru-RU" dirty="0" smtClean="0"/>
+              <a:t>строк</a:t>
+            </a:r>
+          </a:p>
+          <a:p>
+            <a:endParaRPr lang="ru-RU" dirty="0"/>
+          </a:p>
+          <a:p>
+            <a:endParaRPr lang="ru-RU" dirty="0" smtClean="0"/>
+          </a:p>
+          <a:p>
+            <a:r>
+              <a:rPr lang="ru-RU" sz="1200" dirty="0"/>
+              <a:t>DBCC SHOWCONTIG просматривает таблицу "</a:t>
+            </a:r>
+            <a:r>
+              <a:rPr lang="ru-RU" sz="1200" dirty="0" err="1"/>
+              <a:t>tst</a:t>
+            </a:r>
+            <a:r>
+              <a:rPr lang="ru-RU" sz="1200" dirty="0"/>
+              <a:t>"..</a:t>
+            </a:r>
+          </a:p>
+          <a:p>
+            <a:r>
+              <a:rPr lang="ru-RU" sz="1200" dirty="0"/>
+              <a:t>Таблица: "</a:t>
+            </a:r>
+            <a:r>
+              <a:rPr lang="ru-RU" sz="1200" dirty="0" err="1"/>
+              <a:t>tst</a:t>
+            </a:r>
+            <a:r>
+              <a:rPr lang="ru-RU" sz="1200" dirty="0"/>
+              <a:t>" (245575913); идентификатор индекса: 3, идентификатор базы данных: 20</a:t>
+            </a:r>
+          </a:p>
+          <a:p>
+            <a:r>
+              <a:rPr lang="ru-RU" sz="1200" dirty="0"/>
+              <a:t>Выполнен просмотр </a:t>
+            </a:r>
+            <a:r>
+              <a:rPr lang="en-US" sz="1200" dirty="0"/>
+              <a:t>LEAF </a:t>
+            </a:r>
+            <a:r>
+              <a:rPr lang="ru-RU" sz="1200" dirty="0"/>
+              <a:t>уровня.</a:t>
+            </a:r>
+          </a:p>
+          <a:p>
+            <a:r>
+              <a:rPr lang="ru-RU" sz="1200" dirty="0"/>
+              <a:t>- Просмотрено страниц................: 224</a:t>
+            </a:r>
+          </a:p>
+          <a:p>
+            <a:r>
+              <a:rPr lang="ru-RU" sz="1200" dirty="0"/>
+              <a:t>- Просмотрено экстентов................: 28</a:t>
+            </a:r>
+          </a:p>
+          <a:p>
+            <a:r>
+              <a:rPr lang="ru-RU" sz="1200" dirty="0"/>
+              <a:t>- Переключений экстентов................: 27</a:t>
+            </a:r>
+          </a:p>
+          <a:p>
+            <a:r>
+              <a:rPr lang="ru-RU" sz="1200" dirty="0"/>
+              <a:t>- Среднее число страниц на экстент............: 8.0</a:t>
+            </a:r>
+          </a:p>
+          <a:p>
+            <a:r>
+              <a:rPr lang="ru-RU" sz="1200" dirty="0"/>
+              <a:t>- Плотность просмотра [лучший </a:t>
+            </a:r>
+            <a:r>
+              <a:rPr lang="ru-RU" sz="1200" dirty="0" err="1"/>
+              <a:t>счетчик:фактический</a:t>
+            </a:r>
+            <a:r>
+              <a:rPr lang="ru-RU" sz="1200" dirty="0"/>
+              <a:t> счетчик]....: 100.00% [28:28]</a:t>
+            </a:r>
+          </a:p>
+          <a:p>
+            <a:r>
+              <a:rPr lang="ru-RU" sz="1200" dirty="0"/>
+              <a:t>- Логическое разбиение просмотра.........: 0.45%</a:t>
+            </a:r>
+          </a:p>
+          <a:p>
+            <a:r>
+              <a:rPr lang="ru-RU" sz="1200" dirty="0"/>
+              <a:t>- Разбиение просмотра по экстентам.........: 7.14%</a:t>
+            </a:r>
+          </a:p>
+          <a:p>
+            <a:r>
+              <a:rPr lang="ru-RU" sz="1200" dirty="0"/>
+              <a:t>- В среднем байт на страницу............: 60.3</a:t>
+            </a:r>
+          </a:p>
+          <a:p>
+            <a:r>
+              <a:rPr lang="ru-RU" sz="1200" dirty="0"/>
+              <a:t>- Средняя плотность страницы (полная)...........: 99.26%</a:t>
+            </a:r>
+          </a:p>
+          <a:p>
+            <a:r>
+              <a:rPr lang="ru-RU" sz="1200" dirty="0"/>
+              <a:t>Выполнение DBCC завершено. Если DBCC выдает сообщения об ошибках, обратитесь к системному администратору.</a:t>
+            </a:r>
+          </a:p>
+          <a:p>
+            <a:endParaRPr lang="ru-RU" dirty="0"/>
+          </a:p>
+          <a:p>
+            <a:endParaRPr lang="ru-RU" dirty="0"/>
+          </a:p>
+        </p:txBody>
+      </p:sp>
+      <p:sp>
+        <p:nvSpPr>
+          <p:cNvPr id="4" name="AutoShape 3"/>
+          <p:cNvSpPr>
+            <a:spLocks noChangeArrowheads="1"/>
+          </p:cNvSpPr>
+          <p:nvPr/>
+        </p:nvSpPr>
+        <p:spPr bwMode="auto">
+          <a:xfrm>
+            <a:off x="400404" y="1619951"/>
+            <a:ext cx="7893929" cy="1054953"/>
+          </a:xfrm>
+          <a:prstGeom prst="roundRect">
+            <a:avLst>
+              <a:gd name="adj" fmla="val 7093"/>
+            </a:avLst>
+          </a:prstGeom>
+          <a:solidFill>
+            <a:schemeClr val="accent2">
+              <a:lumMod val="20000"/>
+              <a:lumOff val="80000"/>
+            </a:schemeClr>
+          </a:solidFill>
+          <a:ln w="9525" algn="ctr">
+            <a:solidFill>
+              <a:srgbClr val="808080"/>
+            </a:solidFill>
+            <a:round/>
+            <a:headEnd/>
+            <a:tailEnd/>
+          </a:ln>
+          <a:effectLst>
+            <a:outerShdw dist="35921" dir="2700000" algn="ctr" rotWithShape="0">
+              <a:schemeClr val="bg2"/>
+            </a:outerShdw>
+          </a:effectLst>
+        </p:spPr>
+        <p:txBody>
+          <a:bodyPr wrap="square" anchor="ctr">
+            <a:spAutoFit/>
+          </a:bodyPr>
+          <a:lstStyle/>
+          <a:p>
+            <a:r>
+              <a:rPr lang="en-US" sz="2000" dirty="0">
+                <a:solidFill>
+                  <a:srgbClr val="0000FF"/>
+                </a:solidFill>
+                <a:latin typeface="Consolas" panose="020B0609020204030204" pitchFamily="49" charset="0"/>
+              </a:rPr>
+              <a:t>DBCC</a:t>
+            </a:r>
+            <a:r>
+              <a:rPr lang="en-US" sz="2000" dirty="0">
+                <a:solidFill>
+                  <a:prstClr val="black"/>
+                </a:solidFill>
+                <a:latin typeface="Consolas" panose="020B0609020204030204" pitchFamily="49" charset="0"/>
+              </a:rPr>
+              <a:t> SHOWCONTIG </a:t>
+            </a:r>
+          </a:p>
+          <a:p>
+            <a:r>
+              <a:rPr lang="en-US" sz="2000" dirty="0">
+                <a:solidFill>
+                  <a:prstClr val="black"/>
+                </a:solidFill>
+                <a:latin typeface="Consolas" panose="020B0609020204030204" pitchFamily="49" charset="0"/>
+              </a:rPr>
+              <a:t>[ (  { '</a:t>
+            </a:r>
+            <a:r>
+              <a:rPr lang="en-US" sz="2000" dirty="0" err="1">
+                <a:solidFill>
+                  <a:prstClr val="black"/>
+                </a:solidFill>
+                <a:latin typeface="Consolas" panose="020B0609020204030204" pitchFamily="49" charset="0"/>
+              </a:rPr>
+              <a:t>table_name</a:t>
+            </a:r>
+            <a:r>
+              <a:rPr lang="en-US" sz="2000" dirty="0">
+                <a:solidFill>
+                  <a:prstClr val="black"/>
+                </a:solidFill>
+                <a:latin typeface="Consolas" panose="020B0609020204030204" pitchFamily="49" charset="0"/>
+              </a:rPr>
+              <a:t>' | </a:t>
+            </a:r>
+            <a:r>
+              <a:rPr lang="en-US" sz="2000" dirty="0" err="1">
+                <a:solidFill>
+                  <a:prstClr val="black"/>
+                </a:solidFill>
+                <a:latin typeface="Consolas" panose="020B0609020204030204" pitchFamily="49" charset="0"/>
+              </a:rPr>
+              <a:t>table_id</a:t>
+            </a:r>
+            <a:r>
+              <a:rPr lang="en-US" sz="2000" dirty="0">
+                <a:solidFill>
+                  <a:prstClr val="black"/>
+                </a:solidFill>
+                <a:latin typeface="Consolas" panose="020B0609020204030204" pitchFamily="49" charset="0"/>
+              </a:rPr>
+              <a:t> | '</a:t>
+            </a:r>
+            <a:r>
+              <a:rPr lang="en-US" sz="2000" dirty="0" err="1">
+                <a:solidFill>
+                  <a:prstClr val="black"/>
+                </a:solidFill>
+                <a:latin typeface="Consolas" panose="020B0609020204030204" pitchFamily="49" charset="0"/>
+              </a:rPr>
+              <a:t>view_name</a:t>
+            </a:r>
+            <a:r>
+              <a:rPr lang="en-US" sz="2000" dirty="0">
+                <a:solidFill>
+                  <a:prstClr val="black"/>
+                </a:solidFill>
+                <a:latin typeface="Consolas" panose="020B0609020204030204" pitchFamily="49" charset="0"/>
+              </a:rPr>
+              <a:t>' | </a:t>
+            </a:r>
+            <a:r>
+              <a:rPr lang="en-US" sz="2000" dirty="0" err="1">
+                <a:solidFill>
+                  <a:prstClr val="black"/>
+                </a:solidFill>
+                <a:latin typeface="Consolas" panose="020B0609020204030204" pitchFamily="49" charset="0"/>
+              </a:rPr>
+              <a:t>view_id</a:t>
+            </a:r>
+            <a:r>
+              <a:rPr lang="en-US" sz="2000" dirty="0">
+                <a:solidFill>
+                  <a:prstClr val="black"/>
+                </a:solidFill>
+                <a:latin typeface="Consolas" panose="020B0609020204030204" pitchFamily="49" charset="0"/>
+              </a:rPr>
+              <a:t> } </a:t>
+            </a:r>
+            <a:r>
+              <a:rPr lang="en-US" sz="2000" dirty="0" smtClean="0">
+                <a:solidFill>
+                  <a:prstClr val="black"/>
+                </a:solidFill>
+                <a:latin typeface="Consolas" panose="020B0609020204030204" pitchFamily="49" charset="0"/>
+              </a:rPr>
+              <a:t>[ </a:t>
+            </a:r>
+            <a:r>
+              <a:rPr lang="en-US" sz="2000" dirty="0">
+                <a:solidFill>
+                  <a:prstClr val="black"/>
+                </a:solidFill>
+                <a:latin typeface="Consolas" panose="020B0609020204030204" pitchFamily="49" charset="0"/>
+              </a:rPr>
+              <a:t>, '</a:t>
+            </a:r>
+            <a:r>
+              <a:rPr lang="en-US" sz="2000" dirty="0" err="1">
+                <a:solidFill>
+                  <a:prstClr val="black"/>
+                </a:solidFill>
+                <a:latin typeface="Consolas" panose="020B0609020204030204" pitchFamily="49" charset="0"/>
+              </a:rPr>
+              <a:t>index_name</a:t>
+            </a:r>
+            <a:r>
+              <a:rPr lang="en-US" sz="2000" dirty="0">
+                <a:solidFill>
+                  <a:prstClr val="black"/>
+                </a:solidFill>
+                <a:latin typeface="Consolas" panose="020B0609020204030204" pitchFamily="49" charset="0"/>
+              </a:rPr>
+              <a:t>' | </a:t>
+            </a:r>
+            <a:r>
+              <a:rPr lang="en-US" sz="2000" dirty="0" err="1">
+                <a:solidFill>
+                  <a:prstClr val="black"/>
+                </a:solidFill>
+                <a:latin typeface="Consolas" panose="020B0609020204030204" pitchFamily="49" charset="0"/>
+              </a:rPr>
+              <a:t>index_id</a:t>
+            </a:r>
+            <a:r>
+              <a:rPr lang="en-US" sz="2000" dirty="0">
+                <a:solidFill>
+                  <a:prstClr val="black"/>
+                </a:solidFill>
+                <a:latin typeface="Consolas" panose="020B0609020204030204" pitchFamily="49" charset="0"/>
+              </a:rPr>
+              <a:t> ] </a:t>
+            </a:r>
+            <a:r>
+              <a:rPr lang="en-US" sz="2000" dirty="0">
+                <a:solidFill>
+                  <a:srgbClr val="808080"/>
+                </a:solidFill>
+                <a:latin typeface="Consolas" panose="020B0609020204030204" pitchFamily="49" charset="0"/>
+              </a:rPr>
+              <a:t>)</a:t>
+            </a:r>
+            <a:r>
+              <a:rPr lang="en-US" sz="2000" dirty="0">
+                <a:solidFill>
+                  <a:prstClr val="black"/>
+                </a:solidFill>
+                <a:latin typeface="Consolas" panose="020B0609020204030204" pitchFamily="49" charset="0"/>
+              </a:rPr>
+              <a:t>] </a:t>
+            </a:r>
+          </a:p>
+        </p:txBody>
+      </p:sp>
+      <p:sp>
+        <p:nvSpPr>
+          <p:cNvPr id="5" name="AutoShape 3"/>
+          <p:cNvSpPr>
+            <a:spLocks noChangeArrowheads="1"/>
+          </p:cNvSpPr>
+          <p:nvPr/>
+        </p:nvSpPr>
+        <p:spPr bwMode="auto">
+          <a:xfrm>
+            <a:off x="400403" y="3185319"/>
+            <a:ext cx="7893929" cy="415588"/>
+          </a:xfrm>
+          <a:prstGeom prst="roundRect">
+            <a:avLst>
+              <a:gd name="adj" fmla="val 7093"/>
+            </a:avLst>
+          </a:prstGeom>
+          <a:solidFill>
+            <a:schemeClr val="accent2">
+              <a:lumMod val="20000"/>
+              <a:lumOff val="80000"/>
+            </a:schemeClr>
+          </a:solidFill>
+          <a:ln w="9525" algn="ctr">
+            <a:solidFill>
+              <a:srgbClr val="808080"/>
+            </a:solidFill>
+            <a:round/>
+            <a:headEnd/>
+            <a:tailEnd/>
+          </a:ln>
+          <a:effectLst>
+            <a:outerShdw dist="35921" dir="2700000" algn="ctr" rotWithShape="0">
+              <a:schemeClr val="bg2"/>
+            </a:outerShdw>
+          </a:effectLst>
+        </p:spPr>
+        <p:txBody>
+          <a:bodyPr wrap="square" anchor="ctr">
+            <a:spAutoFit/>
+          </a:bodyPr>
+          <a:lstStyle/>
+          <a:p>
+            <a:r>
+              <a:rPr lang="en-US" sz="2000" dirty="0">
+                <a:solidFill>
+                  <a:srgbClr val="0000FF"/>
+                </a:solidFill>
+                <a:latin typeface="Consolas" panose="020B0609020204030204" pitchFamily="49" charset="0"/>
+              </a:rPr>
+              <a:t>DBCC</a:t>
+            </a:r>
+            <a:r>
+              <a:rPr lang="en-US" sz="2000" dirty="0">
+                <a:solidFill>
+                  <a:prstClr val="black"/>
+                </a:solidFill>
+                <a:latin typeface="Consolas" panose="020B0609020204030204" pitchFamily="49" charset="0"/>
+              </a:rPr>
+              <a:t> SHOWCONTIG</a:t>
+            </a:r>
+            <a:r>
+              <a:rPr lang="en-US" sz="2000" dirty="0">
+                <a:solidFill>
+                  <a:srgbClr val="0000FF"/>
+                </a:solidFill>
+                <a:latin typeface="Consolas" panose="020B0609020204030204" pitchFamily="49" charset="0"/>
+              </a:rPr>
+              <a:t> </a:t>
+            </a:r>
+            <a:r>
+              <a:rPr lang="en-US" sz="2000" dirty="0">
+                <a:solidFill>
+                  <a:srgbClr val="808080"/>
+                </a:solidFill>
+                <a:latin typeface="Consolas" panose="020B0609020204030204" pitchFamily="49" charset="0"/>
+              </a:rPr>
+              <a:t>(</a:t>
+            </a:r>
+            <a:r>
+              <a:rPr lang="en-US" sz="2000" dirty="0">
+                <a:solidFill>
+                  <a:srgbClr val="FF0000"/>
+                </a:solidFill>
+                <a:latin typeface="Consolas" panose="020B0609020204030204" pitchFamily="49" charset="0"/>
+              </a:rPr>
+              <a:t>'</a:t>
+            </a:r>
+            <a:r>
+              <a:rPr lang="en-US" sz="2000" dirty="0" err="1">
+                <a:solidFill>
+                  <a:srgbClr val="FF0000"/>
+                </a:solidFill>
+                <a:latin typeface="Consolas" panose="020B0609020204030204" pitchFamily="49" charset="0"/>
+              </a:rPr>
+              <a:t>tst</a:t>
+            </a:r>
+            <a:r>
+              <a:rPr lang="en-US" sz="2000" dirty="0">
+                <a:solidFill>
+                  <a:srgbClr val="FF0000"/>
+                </a:solidFill>
+                <a:latin typeface="Consolas" panose="020B0609020204030204" pitchFamily="49" charset="0"/>
+              </a:rPr>
+              <a:t>'</a:t>
+            </a:r>
+            <a:r>
+              <a:rPr lang="en-US" sz="2000" dirty="0">
+                <a:solidFill>
+                  <a:srgbClr val="808080"/>
+                </a:solidFill>
+                <a:latin typeface="Consolas" panose="020B0609020204030204" pitchFamily="49" charset="0"/>
+              </a:rPr>
+              <a:t>,</a:t>
+            </a:r>
+            <a:r>
+              <a:rPr lang="en-US" sz="2000" dirty="0">
+                <a:solidFill>
+                  <a:srgbClr val="FF0000"/>
+                </a:solidFill>
+                <a:latin typeface="Consolas" panose="020B0609020204030204" pitchFamily="49" charset="0"/>
+              </a:rPr>
+              <a:t>'</a:t>
+            </a:r>
+            <a:r>
+              <a:rPr lang="en-US" sz="2000" dirty="0" err="1">
+                <a:solidFill>
+                  <a:srgbClr val="FF0000"/>
+                </a:solidFill>
+                <a:latin typeface="Consolas" panose="020B0609020204030204" pitchFamily="49" charset="0"/>
+              </a:rPr>
+              <a:t>indTst</a:t>
+            </a:r>
+            <a:r>
+              <a:rPr lang="en-US" sz="2000" dirty="0">
+                <a:solidFill>
+                  <a:srgbClr val="FF0000"/>
+                </a:solidFill>
+                <a:latin typeface="Consolas" panose="020B0609020204030204" pitchFamily="49" charset="0"/>
+              </a:rPr>
+              <a:t>'</a:t>
+            </a:r>
+            <a:r>
+              <a:rPr lang="en-US" sz="2000" dirty="0">
+                <a:solidFill>
+                  <a:srgbClr val="808080"/>
+                </a:solidFill>
+                <a:latin typeface="Consolas" panose="020B0609020204030204" pitchFamily="49" charset="0"/>
+              </a:rPr>
+              <a:t>)</a:t>
+            </a:r>
+          </a:p>
+        </p:txBody>
+      </p:sp>
+    </p:spTree>
+    <p:extLst>
+      <p:ext uri="{BB962C8B-B14F-4D97-AF65-F5344CB8AC3E}">
+        <p14:creationId xmlns:p14="http://schemas.microsoft.com/office/powerpoint/2010/main" val="1373584853"/>
+      </p:ext>
+    </p:extLst>
+  </p:cSld>
+  <p:clrMapOvr>
+    <a:masterClrMapping/>
+  </p:clrMapOvr>
+  <p:timing>
+    <p:tnLst>
+      <p:par>
+        <p:cTn id="1" dur="indefinite" restart="never" nodeType="tmRoot"/>
+      </p:par>
+    </p:tnLst>
+  </p:timing>
+</p:sld>
+</file>
+
+<file path=ppt/slides/slide44.xml><?xml version="1.0" encoding="utf-8"?>
+<p:sld xmlns:a="http://schemas.openxmlformats.org/drawingml/2006/main" xmlns:r="http://schemas.openxmlformats.org/officeDocument/2006/relationships" xmlns:p="http://schemas.openxmlformats.org/presentationml/2006/main">
+  <p:cSld>
+    <p:spTree>
+      <p:nvGrpSpPr>
+        <p:cNvPr id="1" name=""/>
+        <p:cNvGrpSpPr/>
+        <p:nvPr/>
+      </p:nvGrpSpPr>
+      <p:grpSpPr>
+        <a:xfrm>
+          <a:off x="0" y="0"/>
+          <a:ext cx="0" cy="0"/>
+          <a:chOff x="0" y="0"/>
+          <a:chExt cx="0" cy="0"/>
+        </a:xfrm>
+      </p:grpSpPr>
+      <p:sp>
+        <p:nvSpPr>
+          <p:cNvPr id="2" name="Заголовок 1"/>
+          <p:cNvSpPr>
+            <a:spLocks noGrp="1"/>
+          </p:cNvSpPr>
+          <p:nvPr>
+            <p:ph type="title"/>
+          </p:nvPr>
+        </p:nvSpPr>
+        <p:spPr/>
+        <p:txBody>
+          <a:bodyPr/>
+          <a:lstStyle/>
+          <a:p>
+            <a:r>
               <a:rPr lang="ru-RU" dirty="0"/>
               <a:t>Перестройка индекса</a:t>
             </a:r>
@@ -48149,7 +48349,7 @@
 </p:sld>
 </file>
 
-<file path=ppt/slides/slide43.xml><?xml version="1.0" encoding="utf-8"?>
+<file path=ppt/slides/slide45.xml><?xml version="1.0" encoding="utf-8"?>
 <p:sld xmlns:a="http://schemas.openxmlformats.org/drawingml/2006/main" xmlns:r="http://schemas.openxmlformats.org/officeDocument/2006/relationships" xmlns:p="http://schemas.openxmlformats.org/presentationml/2006/main">
   <p:cSld>
     <p:spTree>
@@ -52885,6 +53085,12 @@
 </file>
 
 <file path=customXml/item1.xml><?xml version="1.0" encoding="utf-8"?>
+<p:properties xmlns:p="http://schemas.microsoft.com/office/2006/metadata/properties" xmlns:xsi="http://www.w3.org/2001/XMLSchema-instance" xmlns:pc="http://schemas.microsoft.com/office/infopath/2007/PartnerControls">
+  <documentManagement/>
+</p:properties>
+</file>
+
+<file path=customXml/item2.xml><?xml version="1.0" encoding="utf-8"?>
 <?mso-contentType ?>
 <FormTemplates xmlns="http://schemas.microsoft.com/sharepoint/v3/contenttype/forms">
   <Display>DocumentLibraryForm</Display>
@@ -52893,7 +53099,7 @@
 </FormTemplates>
 </file>
 
-<file path=customXml/item2.xml><?xml version="1.0" encoding="utf-8"?>
+<file path=customXml/item3.xml><?xml version="1.0" encoding="utf-8"?>
 <ct:contentTypeSchema xmlns:ct="http://schemas.microsoft.com/office/2006/metadata/contentType" xmlns:ma="http://schemas.microsoft.com/office/2006/metadata/properties/metaAttributes" ct:_="" ma:_="" ma:contentTypeName="Document" ma:contentTypeID="0x010100144956FE3CD0384DA7E7A5916524330B" ma:contentTypeVersion="0" ma:contentTypeDescription="Create a new document." ma:contentTypeScope="" ma:versionID="d60e39efb90b64ac65a3196b1702c62f">
   <xsd:schema xmlns:xsd="http://www.w3.org/2001/XMLSchema" xmlns:xs="http://www.w3.org/2001/XMLSchema" xmlns:p="http://schemas.microsoft.com/office/2006/metadata/properties" targetNamespace="http://schemas.microsoft.com/office/2006/metadata/properties" ma:root="true" ma:fieldsID="61a5510ac1a642cc309ccb7be38155f9">
     <xsd:element name="properties">
@@ -53007,13 +53213,22 @@
 </ct:contentTypeSchema>
 </file>
 
-<file path=customXml/item3.xml><?xml version="1.0" encoding="utf-8"?>
-<p:properties xmlns:p="http://schemas.microsoft.com/office/2006/metadata/properties" xmlns:xsi="http://www.w3.org/2001/XMLSchema-instance" xmlns:pc="http://schemas.microsoft.com/office/infopath/2007/PartnerControls">
-  <documentManagement/>
-</p:properties>
+<file path=customXml/itemProps1.xml><?xml version="1.0" encoding="utf-8"?>
+<ds:datastoreItem xmlns:ds="http://schemas.openxmlformats.org/officeDocument/2006/customXml" ds:itemID="{D9930B52-E2FA-4636-820B-5BAA5F2C2D92}">
+  <ds:schemaRefs>
+    <ds:schemaRef ds:uri="http://purl.org/dc/terms/"/>
+    <ds:schemaRef ds:uri="http://schemas.openxmlformats.org/package/2006/metadata/core-properties"/>
+    <ds:schemaRef ds:uri="http://schemas.microsoft.com/office/2006/documentManagement/types"/>
+    <ds:schemaRef ds:uri="http://schemas.microsoft.com/office/infopath/2007/PartnerControls"/>
+    <ds:schemaRef ds:uri="http://purl.org/dc/elements/1.1/"/>
+    <ds:schemaRef ds:uri="http://schemas.microsoft.com/office/2006/metadata/properties"/>
+    <ds:schemaRef ds:uri="http://www.w3.org/XML/1998/namespace"/>
+    <ds:schemaRef ds:uri="http://purl.org/dc/dcmitype/"/>
+  </ds:schemaRefs>
+</ds:datastoreItem>
 </file>
 
-<file path=customXml/itemProps1.xml><?xml version="1.0" encoding="utf-8"?>
+<file path=customXml/itemProps2.xml><?xml version="1.0" encoding="utf-8"?>
 <ds:datastoreItem xmlns:ds="http://schemas.openxmlformats.org/officeDocument/2006/customXml" ds:itemID="{BAED9006-1FB6-41AD-82C5-380656F61A1E}">
   <ds:schemaRefs>
     <ds:schemaRef ds:uri="http://schemas.microsoft.com/sharepoint/v3/contenttype/forms"/>
@@ -53021,7 +53236,7 @@
 </ds:datastoreItem>
 </file>
 
-<file path=customXml/itemProps2.xml><?xml version="1.0" encoding="utf-8"?>
+<file path=customXml/itemProps3.xml><?xml version="1.0" encoding="utf-8"?>
 <ds:datastoreItem xmlns:ds="http://schemas.openxmlformats.org/officeDocument/2006/customXml" ds:itemID="{A6CA10A4-9E58-4EE7-92DC-EFCE2380D473}">
   <ds:schemaRefs>
     <ds:schemaRef ds:uri="http://schemas.microsoft.com/office/2006/metadata/contentType"/>
@@ -53035,19 +53250,4 @@
     <ds:schemaRef ds:uri="http://schemas.microsoft.com/office/infopath/2007/PartnerControls"/>
   </ds:schemaRefs>
 </ds:datastoreItem>
-</file>
-
-<file path=customXml/itemProps3.xml><?xml version="1.0" encoding="utf-8"?>
-<ds:datastoreItem xmlns:ds="http://schemas.openxmlformats.org/officeDocument/2006/customXml" ds:itemID="{D9930B52-E2FA-4636-820B-5BAA5F2C2D92}">
-  <ds:schemaRefs>
-    <ds:schemaRef ds:uri="http://purl.org/dc/terms/"/>
-    <ds:schemaRef ds:uri="http://schemas.openxmlformats.org/package/2006/metadata/core-properties"/>
-    <ds:schemaRef ds:uri="http://schemas.microsoft.com/office/2006/documentManagement/types"/>
-    <ds:schemaRef ds:uri="http://schemas.microsoft.com/office/infopath/2007/PartnerControls"/>
-    <ds:schemaRef ds:uri="http://purl.org/dc/elements/1.1/"/>
-    <ds:schemaRef ds:uri="http://schemas.microsoft.com/office/2006/metadata/properties"/>
-    <ds:schemaRef ds:uri="http://www.w3.org/XML/1998/namespace"/>
-    <ds:schemaRef ds:uri="http://purl.org/dc/dcmitype/"/>
-  </ds:schemaRefs>
-</ds:datastoreItem>
 </file>